--- a/20171208-李晨阳-Vue.js多页面项目Webpack配置方案.pptx
+++ b/20171208-李晨阳-Vue.js多页面项目Webpack配置方案.pptx
@@ -6330,18 +6330,7 @@
                 </a:solidFill>
                 <a:sym typeface="+mn-ea"/>
               </a:rPr>
-              <a:t>配置</a:t>
-            </a:r>
-            <a:r>
-              <a:rPr lang="zh-CN" altLang="en-US" b="1" dirty="0" smtClean="0">
-                <a:solidFill>
-                  <a:schemeClr val="accent6">
-                    <a:lumMod val="75000"/>
-                  </a:schemeClr>
-                </a:solidFill>
-                <a:sym typeface="+mn-ea"/>
-              </a:rPr>
-              <a:t>参数</a:t>
+              <a:t>配置参数</a:t>
             </a:r>
             <a:endParaRPr lang="zh-CN" altLang="en-US" dirty="0" smtClean="0"/>
           </a:p>
@@ -9806,7 +9795,7 @@
         <p:spPr bwMode="auto">
           <a:xfrm>
             <a:off x="889233" y="1888845"/>
-            <a:ext cx="7365534" cy="707886"/>
+            <a:ext cx="7365534" cy="706755"/>
           </a:xfrm>
           <a:prstGeom prst="rect">
             <a:avLst/>
@@ -9938,14 +9927,26 @@
               <a:defRPr/>
             </a:pPr>
             <a:r>
-              <a:rPr lang="zh-CN" altLang="en-US" sz="4000" kern="0" dirty="0">
+              <a:rPr lang="en-US" altLang="zh-CN" sz="4000" b="1" dirty="0">
                 <a:solidFill>
                   <a:srgbClr val="156CBE"/>
                 </a:solidFill>
-                <a:latin typeface="微软雅黑" panose="020B0503020204020204" pitchFamily="34" charset="-122"/>
-                <a:ea typeface="微软雅黑" panose="020B0503020204020204" pitchFamily="34" charset="-122"/>
+                <a:latin typeface="方正兰亭超细黑简体" pitchFamily="2" charset="-122"/>
+                <a:ea typeface="方正兰亭超细黑简体" pitchFamily="2" charset="-122"/>
+                <a:sym typeface="方正兰亭超细黑简体" pitchFamily="2" charset="-122"/>
               </a:rPr>
-              <a:t>项目中的其他问题以及解决方案</a:t>
+              <a:t>webpack </a:t>
+            </a:r>
+            <a:r>
+              <a:rPr lang="zh-CN" altLang="en-US" sz="4000" b="1" dirty="0">
+                <a:solidFill>
+                  <a:srgbClr val="156CBE"/>
+                </a:solidFill>
+                <a:latin typeface="方正兰亭超细黑简体" pitchFamily="2" charset="-122"/>
+                <a:ea typeface="方正兰亭超细黑简体" pitchFamily="2" charset="-122"/>
+                <a:sym typeface="方正兰亭超细黑简体" pitchFamily="2" charset="-122"/>
+              </a:rPr>
+              <a:t>配置中的一些注意事项</a:t>
             </a:r>
             <a:endParaRPr lang="zh-CN" altLang="en-US" sz="4000" b="1" dirty="0">
               <a:solidFill>
@@ -10137,7 +10138,7 @@
         <p:spPr>
           <a:xfrm>
             <a:off x="169333" y="934640"/>
-            <a:ext cx="8974667" cy="3693319"/>
+            <a:ext cx="8974667" cy="1198880"/>
           </a:xfrm>
           <a:prstGeom prst="rect">
             <a:avLst/>
@@ -10155,209 +10156,53 @@
             </a:r>
             <a:r>
               <a:rPr lang="zh-CN" altLang="en-US" dirty="0"/>
-              <a:t>、上传图片的问题</a:t>
+              <a:t>、创建、编写配置文件时，注意，不要写 </a:t>
+            </a:r>
+            <a:r>
+              <a:rPr lang="en-US" altLang="zh-CN" dirty="0"/>
+              <a:t>es6 </a:t>
+            </a:r>
+            <a:r>
+              <a:rPr lang="zh-CN" altLang="en-US" dirty="0"/>
+              <a:t>中 </a:t>
+            </a:r>
+            <a:r>
+              <a:rPr lang="en-US" altLang="zh-CN" dirty="0"/>
+              <a:t>v8 </a:t>
+            </a:r>
+            <a:r>
+              <a:rPr lang="zh-CN" altLang="en-US" dirty="0"/>
+              <a:t>引擎不支持的一些写法，因为配置文件是在 </a:t>
+            </a:r>
+            <a:r>
+              <a:rPr lang="en-US" altLang="zh-CN" dirty="0"/>
+              <a:t>node </a:t>
+            </a:r>
+            <a:r>
+              <a:rPr lang="zh-CN" altLang="en-US" dirty="0"/>
+              <a:t>中运行的，比如，不支持 </a:t>
+            </a:r>
+            <a:r>
+              <a:rPr lang="en-US" altLang="zh-CN" dirty="0"/>
+              <a:t>import</a:t>
+            </a:r>
+            <a:r>
+              <a:rPr lang="zh-CN" altLang="en-US" dirty="0"/>
+              <a:t>；</a:t>
             </a:r>
             <a:endParaRPr lang="zh-CN" altLang="en-US" dirty="0"/>
           </a:p>
           <a:p>
-            <a:r>
-              <a:rPr lang="en-US" altLang="zh-CN" dirty="0" smtClean="0"/>
-              <a:t>	</a:t>
-            </a:r>
-            <a:r>
-              <a:rPr lang="zh-CN" altLang="en-US" dirty="0" smtClean="0"/>
-              <a:t>原</a:t>
+            <a:endParaRPr lang="zh-CN" altLang="en-US" dirty="0"/>
+          </a:p>
+          <a:p>
+            <a:r>
+              <a:rPr lang="en-US" altLang="zh-CN" dirty="0"/>
+              <a:t>2</a:t>
             </a:r>
             <a:r>
               <a:rPr lang="zh-CN" altLang="en-US" dirty="0"/>
-              <a:t>生同一个</a:t>
-            </a:r>
-            <a:r>
-              <a:rPr lang="en-US" altLang="zh-CN" dirty="0"/>
-              <a:t>input</a:t>
-            </a:r>
-            <a:r>
-              <a:rPr lang="zh-CN" altLang="en-US" dirty="0"/>
-              <a:t>（</a:t>
-            </a:r>
-            <a:r>
-              <a:rPr lang="en-US" altLang="zh-CN" dirty="0"/>
-              <a:t>file</a:t>
-            </a:r>
-            <a:r>
-              <a:rPr lang="zh-CN" altLang="en-US" dirty="0"/>
-              <a:t>）标签，上传同一张图片只会触发一次</a:t>
-            </a:r>
-            <a:r>
-              <a:rPr lang="en-US" altLang="zh-CN" dirty="0" err="1"/>
-              <a:t>onchange</a:t>
-            </a:r>
-            <a:r>
-              <a:rPr lang="zh-CN" altLang="en-US" dirty="0"/>
-              <a:t>，但是在下次上传不是同一张图片时，会连带同一张图片的次数一起触发，（解决办法：可以每次</a:t>
-            </a:r>
-            <a:r>
-              <a:rPr lang="en-US" altLang="zh-CN" dirty="0" err="1"/>
-              <a:t>onchange</a:t>
-            </a:r>
-            <a:r>
-              <a:rPr lang="zh-CN" altLang="en-US" dirty="0"/>
-              <a:t>时将上传文件名字记录到一个数组里，然后每次</a:t>
-            </a:r>
-            <a:r>
-              <a:rPr lang="en-US" altLang="zh-CN" dirty="0" err="1"/>
-              <a:t>onchange</a:t>
-            </a:r>
-            <a:r>
-              <a:rPr lang="zh-CN" altLang="en-US" dirty="0"/>
-              <a:t>可以循环数组，如果能够找到，则</a:t>
-            </a:r>
-            <a:r>
-              <a:rPr lang="en-US" altLang="zh-CN" dirty="0"/>
-              <a:t>return</a:t>
-            </a:r>
-            <a:r>
-              <a:rPr lang="zh-CN" altLang="en-US" dirty="0"/>
-              <a:t>，不让其重复上传）</a:t>
-            </a:r>
-            <a:r>
-              <a:rPr lang="zh-CN" altLang="en-US" dirty="0" smtClean="0"/>
-              <a:t>；</a:t>
-            </a:r>
-            <a:endParaRPr lang="en-US" altLang="zh-CN" dirty="0" smtClean="0"/>
-          </a:p>
-          <a:p>
-            <a:endParaRPr lang="en-US" altLang="zh-CN" dirty="0"/>
-          </a:p>
-          <a:p>
-            <a:r>
-              <a:rPr lang="en-US" altLang="zh-CN" dirty="0" smtClean="0"/>
-              <a:t>2</a:t>
-            </a:r>
-            <a:r>
-              <a:rPr lang="zh-CN" altLang="en-US" dirty="0" smtClean="0"/>
               <a:t>、</a:t>
-            </a:r>
-            <a:r>
-              <a:rPr lang="en-US" altLang="zh-CN" dirty="0"/>
-              <a:t> trigger</a:t>
-            </a:r>
-            <a:r>
-              <a:rPr lang="zh-CN" altLang="en-US" dirty="0"/>
-              <a:t>中的注意事项：</a:t>
-            </a:r>
-            <a:endParaRPr lang="zh-CN" altLang="en-US" dirty="0"/>
-          </a:p>
-          <a:p>
-            <a:r>
-              <a:rPr lang="en-US" altLang="zh-CN" dirty="0" smtClean="0"/>
-              <a:t>        trigger</a:t>
-            </a:r>
-            <a:r>
-              <a:rPr lang="zh-CN" altLang="en-US" dirty="0"/>
-              <a:t>不可以直接触发</a:t>
-            </a:r>
-            <a:r>
-              <a:rPr lang="en-US" altLang="zh-CN" dirty="0"/>
-              <a:t>input</a:t>
-            </a:r>
-            <a:r>
-              <a:rPr lang="zh-CN" altLang="en-US" dirty="0"/>
-              <a:t>（</a:t>
-            </a:r>
-            <a:r>
-              <a:rPr lang="en-US" altLang="zh-CN" dirty="0"/>
-              <a:t>file</a:t>
-            </a:r>
-            <a:r>
-              <a:rPr lang="zh-CN" altLang="en-US" dirty="0"/>
-              <a:t>）、</a:t>
-            </a:r>
-            <a:r>
-              <a:rPr lang="en-US" altLang="zh-CN" dirty="0"/>
-              <a:t>select</a:t>
-            </a:r>
-            <a:r>
-              <a:rPr lang="zh-CN" altLang="en-US" dirty="0"/>
-              <a:t>的原生事件；可以触发给元素添加的事件；但是如果</a:t>
-            </a:r>
-            <a:r>
-              <a:rPr lang="en-US" altLang="zh-CN" dirty="0"/>
-              <a:t>trigger</a:t>
-            </a:r>
-            <a:r>
-              <a:rPr lang="zh-CN" altLang="en-US" dirty="0"/>
-              <a:t>外面包了一层</a:t>
-            </a:r>
-            <a:r>
-              <a:rPr lang="en-US" altLang="zh-CN" dirty="0"/>
-              <a:t>on</a:t>
-            </a:r>
-            <a:r>
-              <a:rPr lang="zh-CN" altLang="en-US" dirty="0"/>
-              <a:t>（“</a:t>
-            </a:r>
-            <a:r>
-              <a:rPr lang="en-US" altLang="zh-CN" dirty="0"/>
-              <a:t>click”</a:t>
-            </a:r>
-            <a:r>
-              <a:rPr lang="zh-CN" altLang="en-US" dirty="0"/>
-              <a:t>），则可以触发</a:t>
-            </a:r>
-            <a:r>
-              <a:rPr lang="en-US" altLang="zh-CN" dirty="0"/>
-              <a:t>input</a:t>
-            </a:r>
-            <a:r>
-              <a:rPr lang="zh-CN" altLang="en-US" dirty="0"/>
-              <a:t>（</a:t>
-            </a:r>
-            <a:r>
-              <a:rPr lang="en-US" altLang="zh-CN" dirty="0"/>
-              <a:t>file</a:t>
-            </a:r>
-            <a:r>
-              <a:rPr lang="zh-CN" altLang="en-US" dirty="0"/>
-              <a:t>）、</a:t>
-            </a:r>
-            <a:r>
-              <a:rPr lang="en-US" altLang="zh-CN" dirty="0"/>
-              <a:t>select</a:t>
-            </a:r>
-            <a:r>
-              <a:rPr lang="zh-CN" altLang="en-US" dirty="0"/>
-              <a:t>的原生事件</a:t>
-            </a:r>
-            <a:endParaRPr lang="zh-CN" altLang="en-US" dirty="0"/>
-          </a:p>
-          <a:p>
-            <a:r>
-              <a:rPr lang="en-US" altLang="zh-CN" dirty="0" smtClean="0"/>
-              <a:t>        trigger</a:t>
-            </a:r>
-            <a:r>
-              <a:rPr lang="zh-CN" altLang="en-US" dirty="0"/>
-              <a:t>触发某个元素的某个事件，首先得让那个元素把那个事件添加的函数提前执行；</a:t>
-            </a:r>
-            <a:endParaRPr lang="zh-CN" altLang="en-US" dirty="0"/>
-          </a:p>
-          <a:p>
-            <a:r>
-              <a:rPr lang="en-US" altLang="zh-CN" dirty="0" smtClean="0"/>
-              <a:t>        fastclick.js</a:t>
-            </a:r>
-            <a:r>
-              <a:rPr lang="zh-CN" altLang="en-US" dirty="0"/>
-              <a:t>会影响</a:t>
-            </a:r>
-            <a:r>
-              <a:rPr lang="en-US" altLang="zh-CN" dirty="0"/>
-              <a:t>trigger</a:t>
-            </a:r>
-            <a:r>
-              <a:rPr lang="zh-CN" altLang="en-US" dirty="0"/>
-              <a:t>的使用，出现点击第一次没有出现响应，第二次才起效果</a:t>
             </a:r>
             <a:endParaRPr lang="zh-CN" altLang="en-US" dirty="0"/>
           </a:p>
@@ -12571,25 +12416,17 @@
             </a:r>
             <a:r>
               <a:rPr lang="zh-CN" altLang="en-US" dirty="0" smtClean="0"/>
-              <a:t>的自动化构建工具，</a:t>
-            </a:r>
+              <a:t>的自动化构建工具，工作方式是：在一个配置文件中，指明对某些文件进行类似编译，组合，压缩等任务的具体步骤，工具之后可以自动替你完成这些任务。</a:t>
+            </a:r>
+            <a:endParaRPr lang="zh-CN" altLang="en-US" dirty="0" smtClean="0"/>
+          </a:p>
+          <a:p>
+            <a:endParaRPr lang="zh-CN" altLang="en-US" dirty="0" smtClean="0"/>
+          </a:p>
+          <a:p>
             <a:r>
               <a:rPr lang="zh-CN" altLang="en-US" dirty="0" smtClean="0"/>
-              <a:t>工作方式是：在一个配置文件中，指明对某些文件进行类似编译，组合，压缩等任务的具体步骤，工具之后可以自动替你完成这些任务。</a:t>
-            </a:r>
-            <a:endParaRPr lang="zh-CN" altLang="en-US" dirty="0" smtClean="0"/>
-          </a:p>
-          <a:p>
-            <a:endParaRPr lang="zh-CN" altLang="en-US" dirty="0" smtClean="0"/>
-          </a:p>
-          <a:p>
-            <a:r>
-              <a:rPr lang="zh-CN" altLang="en-US" dirty="0" smtClean="0"/>
-              <a:t>Webpack是模块化打包工具，</a:t>
-            </a:r>
-            <a:r>
-              <a:rPr lang="zh-CN" altLang="en-US" dirty="0" smtClean="0"/>
-              <a:t>的工作方式是：把你的项目当做一个整体，通过一个给定的主文件（如：index.js），Webpack将从这个文件开始找到你的项目的所有依赖文件，使用loaders处理它们，最后打包为一个（或多个）浏览器可识别的JavaScript文件。</a:t>
+              <a:t>Webpack是模块化打包工具，的工作方式是：把你的项目当做一个整体，通过一个给定的主文件（如：index.js），Webpack将从这个文件开始找到你的项目的所有依赖文件，使用loaders处理它们，最后打包为一个（或多个）浏览器可识别的JavaScript文件。</a:t>
             </a:r>
             <a:endParaRPr lang="zh-CN" altLang="en-US" dirty="0" smtClean="0"/>
           </a:p>

--- a/20171208-李晨阳-Vue.js多页面项目Webpack配置方案.pptx
+++ b/20171208-李晨阳-Vue.js多页面项目Webpack配置方案.pptx
@@ -22,18 +22,14 @@
     <p:sldId id="285" r:id="rId15"/>
     <p:sldId id="289" r:id="rId16"/>
     <p:sldId id="288" r:id="rId17"/>
-    <p:sldId id="290" r:id="rId18"/>
-    <p:sldId id="291" r:id="rId19"/>
-    <p:sldId id="292" r:id="rId20"/>
-    <p:sldId id="301" r:id="rId21"/>
-    <p:sldId id="293" r:id="rId22"/>
-    <p:sldId id="302" r:id="rId23"/>
-    <p:sldId id="294" r:id="rId24"/>
-    <p:sldId id="295" r:id="rId25"/>
-    <p:sldId id="299" r:id="rId26"/>
-    <p:sldId id="300" r:id="rId27"/>
-    <p:sldId id="296" r:id="rId28"/>
-    <p:sldId id="260" r:id="rId29"/>
+    <p:sldId id="291" r:id="rId18"/>
+    <p:sldId id="292" r:id="rId19"/>
+    <p:sldId id="301" r:id="rId20"/>
+    <p:sldId id="294" r:id="rId21"/>
+    <p:sldId id="295" r:id="rId22"/>
+    <p:sldId id="363" r:id="rId23"/>
+    <p:sldId id="296" r:id="rId24"/>
+    <p:sldId id="260" r:id="rId25"/>
   </p:sldIdLst>
   <p:sldSz cx="9144000" cy="5143500" type="screen16x9"/>
   <p:notesSz cx="6858000" cy="9144000"/>
@@ -994,13 +990,13 @@
           <a:bodyPr/>
           <a:lstStyle/>
           <a:p>
-            <a:endParaRPr lang="zh-CN" altLang="en-US" dirty="0"/>
-          </a:p>
-        </p:txBody>
-      </p:sp>
-      <p:sp>
-        <p:nvSpPr>
-          <p:cNvPr id="4" name="灯片编号占位符 3"/>
+            <a:endParaRPr kumimoji="1" lang="zh-CN" altLang="en-US" dirty="0"/>
+          </a:p>
+        </p:txBody>
+      </p:sp>
+      <p:sp>
+        <p:nvSpPr>
+          <p:cNvPr id="4" name="幻灯片编号占位符 3"/>
           <p:cNvSpPr>
             <a:spLocks noGrp="1"/>
           </p:cNvSpPr>
@@ -1072,13 +1068,13 @@
           <a:bodyPr/>
           <a:lstStyle/>
           <a:p>
-            <a:endParaRPr kumimoji="1" lang="zh-CN" altLang="en-US" dirty="0"/>
-          </a:p>
-        </p:txBody>
-      </p:sp>
-      <p:sp>
-        <p:nvSpPr>
-          <p:cNvPr id="4" name="幻灯片编号占位符 3"/>
+            <a:endParaRPr lang="zh-CN" altLang="en-US" dirty="0"/>
+          </a:p>
+        </p:txBody>
+      </p:sp>
+      <p:sp>
+        <p:nvSpPr>
+          <p:cNvPr id="4" name="灯片编号占位符 3"/>
           <p:cNvSpPr>
             <a:spLocks noGrp="1"/>
           </p:cNvSpPr>
@@ -1150,13 +1146,13 @@
           <a:bodyPr/>
           <a:lstStyle/>
           <a:p>
-            <a:endParaRPr lang="zh-CN" altLang="en-US" dirty="0"/>
-          </a:p>
-        </p:txBody>
-      </p:sp>
-      <p:sp>
-        <p:nvSpPr>
-          <p:cNvPr id="4" name="灯片编号占位符 3"/>
+            <a:endParaRPr kumimoji="1" lang="zh-CN" altLang="en-US" dirty="0"/>
+          </a:p>
+        </p:txBody>
+      </p:sp>
+      <p:sp>
+        <p:nvSpPr>
+          <p:cNvPr id="4" name="幻灯片编号占位符 3"/>
           <p:cNvSpPr>
             <a:spLocks noGrp="1"/>
           </p:cNvSpPr>
@@ -1228,13 +1224,13 @@
           <a:bodyPr/>
           <a:lstStyle/>
           <a:p>
-            <a:endParaRPr kumimoji="1" lang="zh-CN" altLang="en-US" dirty="0"/>
-          </a:p>
-        </p:txBody>
-      </p:sp>
-      <p:sp>
-        <p:nvSpPr>
-          <p:cNvPr id="4" name="幻灯片编号占位符 3"/>
+            <a:endParaRPr lang="zh-CN" altLang="en-US" dirty="0"/>
+          </a:p>
+        </p:txBody>
+      </p:sp>
+      <p:sp>
+        <p:nvSpPr>
+          <p:cNvPr id="4" name="灯片编号占位符 3"/>
           <p:cNvSpPr>
             <a:spLocks noGrp="1"/>
           </p:cNvSpPr>
@@ -1497,318 +1493,6 @@
 </file>
 
 <file path=ppt/notesSlides/notesSlide21.xml><?xml version="1.0" encoding="utf-8"?>
-<p:notes xmlns:a="http://schemas.openxmlformats.org/drawingml/2006/main" xmlns:r="http://schemas.openxmlformats.org/officeDocument/2006/relationships" xmlns:p="http://schemas.openxmlformats.org/presentationml/2006/main">
-  <p:cSld>
-    <p:spTree>
-      <p:nvGrpSpPr>
-        <p:cNvPr id="1" name=""/>
-        <p:cNvGrpSpPr/>
-        <p:nvPr/>
-      </p:nvGrpSpPr>
-      <p:grpSpPr>
-        <a:xfrm>
-          <a:off x="0" y="0"/>
-          <a:ext cx="0" cy="0"/>
-          <a:chOff x="0" y="0"/>
-          <a:chExt cx="0" cy="0"/>
-        </a:xfrm>
-      </p:grpSpPr>
-      <p:sp>
-        <p:nvSpPr>
-          <p:cNvPr id="2" name="幻灯片图像占位符 1"/>
-          <p:cNvSpPr>
-            <a:spLocks noGrp="1" noRot="1" noChangeAspect="1"/>
-          </p:cNvSpPr>
-          <p:nvPr>
-            <p:ph type="sldImg"/>
-          </p:nvPr>
-        </p:nvSpPr>
-        <p:spPr/>
-      </p:sp>
-      <p:sp>
-        <p:nvSpPr>
-          <p:cNvPr id="3" name="备注占位符 2"/>
-          <p:cNvSpPr>
-            <a:spLocks noGrp="1"/>
-          </p:cNvSpPr>
-          <p:nvPr>
-            <p:ph type="body" idx="1"/>
-          </p:nvPr>
-        </p:nvSpPr>
-        <p:spPr/>
-        <p:txBody>
-          <a:bodyPr/>
-          <a:lstStyle/>
-          <a:p>
-            <a:endParaRPr lang="zh-CN" altLang="en-US" dirty="0"/>
-          </a:p>
-        </p:txBody>
-      </p:sp>
-      <p:sp>
-        <p:nvSpPr>
-          <p:cNvPr id="4" name="灯片编号占位符 3"/>
-          <p:cNvSpPr>
-            <a:spLocks noGrp="1"/>
-          </p:cNvSpPr>
-          <p:nvPr>
-            <p:ph type="sldNum" sz="quarter" idx="10"/>
-          </p:nvPr>
-        </p:nvSpPr>
-        <p:spPr/>
-        <p:txBody>
-          <a:bodyPr/>
-          <a:lstStyle/>
-          <a:p>
-            <a:fld id="{88C87E5B-0F20-4F7C-8AD6-D9E028DA9451}" type="slidenum">
-              <a:rPr lang="zh-CN" altLang="en-US" smtClean="0"/>
-            </a:fld>
-            <a:endParaRPr lang="zh-CN" altLang="en-US"/>
-          </a:p>
-        </p:txBody>
-      </p:sp>
-    </p:spTree>
-  </p:cSld>
-  <p:clrMapOvr>
-    <a:masterClrMapping/>
-  </p:clrMapOvr>
-</p:notes>
-</file>
-
-<file path=ppt/notesSlides/notesSlide22.xml><?xml version="1.0" encoding="utf-8"?>
-<p:notes xmlns:a="http://schemas.openxmlformats.org/drawingml/2006/main" xmlns:r="http://schemas.openxmlformats.org/officeDocument/2006/relationships" xmlns:p="http://schemas.openxmlformats.org/presentationml/2006/main">
-  <p:cSld>
-    <p:spTree>
-      <p:nvGrpSpPr>
-        <p:cNvPr id="1" name=""/>
-        <p:cNvGrpSpPr/>
-        <p:nvPr/>
-      </p:nvGrpSpPr>
-      <p:grpSpPr>
-        <a:xfrm>
-          <a:off x="0" y="0"/>
-          <a:ext cx="0" cy="0"/>
-          <a:chOff x="0" y="0"/>
-          <a:chExt cx="0" cy="0"/>
-        </a:xfrm>
-      </p:grpSpPr>
-      <p:sp>
-        <p:nvSpPr>
-          <p:cNvPr id="2" name="幻灯片图像占位符 1"/>
-          <p:cNvSpPr>
-            <a:spLocks noGrp="1" noRot="1" noChangeAspect="1"/>
-          </p:cNvSpPr>
-          <p:nvPr>
-            <p:ph type="sldImg"/>
-          </p:nvPr>
-        </p:nvSpPr>
-        <p:spPr/>
-      </p:sp>
-      <p:sp>
-        <p:nvSpPr>
-          <p:cNvPr id="3" name="备注占位符 2"/>
-          <p:cNvSpPr>
-            <a:spLocks noGrp="1"/>
-          </p:cNvSpPr>
-          <p:nvPr>
-            <p:ph type="body" idx="1"/>
-          </p:nvPr>
-        </p:nvSpPr>
-        <p:spPr/>
-        <p:txBody>
-          <a:bodyPr/>
-          <a:lstStyle/>
-          <a:p>
-            <a:endParaRPr kumimoji="1" lang="zh-CN" altLang="en-US" dirty="0"/>
-          </a:p>
-        </p:txBody>
-      </p:sp>
-      <p:sp>
-        <p:nvSpPr>
-          <p:cNvPr id="4" name="幻灯片编号占位符 3"/>
-          <p:cNvSpPr>
-            <a:spLocks noGrp="1"/>
-          </p:cNvSpPr>
-          <p:nvPr>
-            <p:ph type="sldNum" sz="quarter" idx="10"/>
-          </p:nvPr>
-        </p:nvSpPr>
-        <p:spPr/>
-        <p:txBody>
-          <a:bodyPr/>
-          <a:lstStyle/>
-          <a:p>
-            <a:fld id="{88C87E5B-0F20-4F7C-8AD6-D9E028DA9451}" type="slidenum">
-              <a:rPr lang="zh-CN" altLang="en-US" smtClean="0"/>
-            </a:fld>
-            <a:endParaRPr lang="zh-CN" altLang="en-US"/>
-          </a:p>
-        </p:txBody>
-      </p:sp>
-    </p:spTree>
-  </p:cSld>
-  <p:clrMapOvr>
-    <a:masterClrMapping/>
-  </p:clrMapOvr>
-</p:notes>
-</file>
-
-<file path=ppt/notesSlides/notesSlide23.xml><?xml version="1.0" encoding="utf-8"?>
-<p:notes xmlns:a="http://schemas.openxmlformats.org/drawingml/2006/main" xmlns:r="http://schemas.openxmlformats.org/officeDocument/2006/relationships" xmlns:p="http://schemas.openxmlformats.org/presentationml/2006/main">
-  <p:cSld>
-    <p:spTree>
-      <p:nvGrpSpPr>
-        <p:cNvPr id="1" name=""/>
-        <p:cNvGrpSpPr/>
-        <p:nvPr/>
-      </p:nvGrpSpPr>
-      <p:grpSpPr>
-        <a:xfrm>
-          <a:off x="0" y="0"/>
-          <a:ext cx="0" cy="0"/>
-          <a:chOff x="0" y="0"/>
-          <a:chExt cx="0" cy="0"/>
-        </a:xfrm>
-      </p:grpSpPr>
-      <p:sp>
-        <p:nvSpPr>
-          <p:cNvPr id="2" name="幻灯片图像占位符 1"/>
-          <p:cNvSpPr>
-            <a:spLocks noGrp="1" noRot="1" noChangeAspect="1"/>
-          </p:cNvSpPr>
-          <p:nvPr>
-            <p:ph type="sldImg"/>
-          </p:nvPr>
-        </p:nvSpPr>
-        <p:spPr/>
-      </p:sp>
-      <p:sp>
-        <p:nvSpPr>
-          <p:cNvPr id="3" name="备注占位符 2"/>
-          <p:cNvSpPr>
-            <a:spLocks noGrp="1"/>
-          </p:cNvSpPr>
-          <p:nvPr>
-            <p:ph type="body" idx="1"/>
-          </p:nvPr>
-        </p:nvSpPr>
-        <p:spPr/>
-        <p:txBody>
-          <a:bodyPr/>
-          <a:lstStyle/>
-          <a:p>
-            <a:endParaRPr kumimoji="1" lang="zh-CN" altLang="en-US" dirty="0"/>
-          </a:p>
-        </p:txBody>
-      </p:sp>
-      <p:sp>
-        <p:nvSpPr>
-          <p:cNvPr id="4" name="幻灯片编号占位符 3"/>
-          <p:cNvSpPr>
-            <a:spLocks noGrp="1"/>
-          </p:cNvSpPr>
-          <p:nvPr>
-            <p:ph type="sldNum" sz="quarter" idx="10"/>
-          </p:nvPr>
-        </p:nvSpPr>
-        <p:spPr/>
-        <p:txBody>
-          <a:bodyPr/>
-          <a:lstStyle/>
-          <a:p>
-            <a:fld id="{88C87E5B-0F20-4F7C-8AD6-D9E028DA9451}" type="slidenum">
-              <a:rPr lang="zh-CN" altLang="en-US" smtClean="0"/>
-            </a:fld>
-            <a:endParaRPr lang="zh-CN" altLang="en-US"/>
-          </a:p>
-        </p:txBody>
-      </p:sp>
-    </p:spTree>
-  </p:cSld>
-  <p:clrMapOvr>
-    <a:masterClrMapping/>
-  </p:clrMapOvr>
-</p:notes>
-</file>
-
-<file path=ppt/notesSlides/notesSlide24.xml><?xml version="1.0" encoding="utf-8"?>
-<p:notes xmlns:a="http://schemas.openxmlformats.org/drawingml/2006/main" xmlns:r="http://schemas.openxmlformats.org/officeDocument/2006/relationships" xmlns:p="http://schemas.openxmlformats.org/presentationml/2006/main">
-  <p:cSld>
-    <p:spTree>
-      <p:nvGrpSpPr>
-        <p:cNvPr id="1" name=""/>
-        <p:cNvGrpSpPr/>
-        <p:nvPr/>
-      </p:nvGrpSpPr>
-      <p:grpSpPr>
-        <a:xfrm>
-          <a:off x="0" y="0"/>
-          <a:ext cx="0" cy="0"/>
-          <a:chOff x="0" y="0"/>
-          <a:chExt cx="0" cy="0"/>
-        </a:xfrm>
-      </p:grpSpPr>
-      <p:sp>
-        <p:nvSpPr>
-          <p:cNvPr id="2" name="幻灯片图像占位符 1"/>
-          <p:cNvSpPr>
-            <a:spLocks noGrp="1" noRot="1" noChangeAspect="1"/>
-          </p:cNvSpPr>
-          <p:nvPr>
-            <p:ph type="sldImg"/>
-          </p:nvPr>
-        </p:nvSpPr>
-        <p:spPr/>
-      </p:sp>
-      <p:sp>
-        <p:nvSpPr>
-          <p:cNvPr id="3" name="备注占位符 2"/>
-          <p:cNvSpPr>
-            <a:spLocks noGrp="1"/>
-          </p:cNvSpPr>
-          <p:nvPr>
-            <p:ph type="body" idx="1"/>
-          </p:nvPr>
-        </p:nvSpPr>
-        <p:spPr/>
-        <p:txBody>
-          <a:bodyPr/>
-          <a:lstStyle/>
-          <a:p>
-            <a:endParaRPr kumimoji="1" lang="zh-CN" altLang="en-US" dirty="0"/>
-          </a:p>
-        </p:txBody>
-      </p:sp>
-      <p:sp>
-        <p:nvSpPr>
-          <p:cNvPr id="4" name="幻灯片编号占位符 3"/>
-          <p:cNvSpPr>
-            <a:spLocks noGrp="1"/>
-          </p:cNvSpPr>
-          <p:nvPr>
-            <p:ph type="sldNum" sz="quarter" idx="10"/>
-          </p:nvPr>
-        </p:nvSpPr>
-        <p:spPr/>
-        <p:txBody>
-          <a:bodyPr/>
-          <a:lstStyle/>
-          <a:p>
-            <a:fld id="{88C87E5B-0F20-4F7C-8AD6-D9E028DA9451}" type="slidenum">
-              <a:rPr lang="zh-CN" altLang="en-US" smtClean="0"/>
-            </a:fld>
-            <a:endParaRPr lang="zh-CN" altLang="en-US"/>
-          </a:p>
-        </p:txBody>
-      </p:sp>
-    </p:spTree>
-  </p:cSld>
-  <p:clrMapOvr>
-    <a:masterClrMapping/>
-  </p:clrMapOvr>
-</p:notes>
-</file>
-
-<file path=ppt/notesSlides/notesSlide25.xml><?xml version="1.0" encoding="utf-8"?>
 <p:notes xmlns:a="http://schemas.openxmlformats.org/drawingml/2006/main" xmlns:r="http://schemas.openxmlformats.org/officeDocument/2006/relationships" xmlns:p="http://schemas.openxmlformats.org/presentationml/2006/main">
   <p:cSld>
     <p:spTree>
@@ -7029,7 +6713,7 @@
         <p:spPr bwMode="auto">
           <a:xfrm>
             <a:off x="2070111" y="1888845"/>
-            <a:ext cx="5941375" cy="707886"/>
+            <a:ext cx="5941375" cy="706755"/>
           </a:xfrm>
           <a:prstGeom prst="rect">
             <a:avLst/>
@@ -7161,7 +6845,7 @@
               <a:defRPr/>
             </a:pPr>
             <a:r>
-              <a:rPr lang="zh-CN" altLang="en-US" sz="4000" b="1" dirty="0" smtClean="0">
+              <a:rPr lang="en-US" altLang="zh-CN" sz="4000" b="1" dirty="0" smtClean="0">
                 <a:solidFill>
                   <a:srgbClr val="156CBE"/>
                 </a:solidFill>
@@ -7169,10 +6853,10 @@
                 <a:ea typeface="方正兰亭超细黑简体" pitchFamily="2" charset="-122"/>
                 <a:sym typeface="方正兰亭超细黑简体" pitchFamily="2" charset="-122"/>
               </a:rPr>
-              <a:t>我们的路由使用（</a:t>
-            </a:r>
-            <a:r>
-              <a:rPr lang="en-US" altLang="zh-CN" sz="4000" b="1" dirty="0" smtClean="0">
+              <a:t>babel </a:t>
+            </a:r>
+            <a:r>
+              <a:rPr lang="zh-CN" altLang="en-US" sz="4000" b="1" dirty="0" smtClean="0">
                 <a:solidFill>
                   <a:srgbClr val="156CBE"/>
                 </a:solidFill>
@@ -7180,20 +6864,9 @@
                 <a:ea typeface="方正兰亭超细黑简体" pitchFamily="2" charset="-122"/>
                 <a:sym typeface="方正兰亭超细黑简体" pitchFamily="2" charset="-122"/>
               </a:rPr>
-              <a:t>q.js</a:t>
-            </a:r>
-            <a:r>
-              <a:rPr lang="zh-CN" altLang="en-US" sz="4000" b="1" dirty="0" smtClean="0">
-                <a:solidFill>
-                  <a:srgbClr val="156CBE"/>
-                </a:solidFill>
-                <a:latin typeface="方正兰亭超细黑简体" pitchFamily="2" charset="-122"/>
-                <a:ea typeface="方正兰亭超细黑简体" pitchFamily="2" charset="-122"/>
-                <a:sym typeface="方正兰亭超细黑简体" pitchFamily="2" charset="-122"/>
-              </a:rPr>
-              <a:t>）</a:t>
-            </a:r>
-            <a:endParaRPr lang="zh-CN" altLang="en-US" sz="4000" b="1" dirty="0">
+              <a:t>的配置</a:t>
+            </a:r>
+            <a:endParaRPr lang="zh-CN" altLang="en-US" sz="4000" b="1" dirty="0" smtClean="0">
               <a:solidFill>
                 <a:srgbClr val="156CBE"/>
               </a:solidFill>
@@ -7313,7 +6986,7 @@
         </p:blipFill>
         <p:spPr>
           <a:xfrm>
-            <a:off x="0" y="0"/>
+            <a:off x="-635" y="0"/>
             <a:ext cx="9144000" cy="5143500"/>
           </a:xfrm>
           <a:prstGeom prst="rect">
@@ -7331,8 +7004,8 @@
         </p:nvSpPr>
         <p:spPr bwMode="auto">
           <a:xfrm>
-            <a:off x="738894" y="345258"/>
-            <a:ext cx="6971073" cy="584775"/>
+            <a:off x="738893" y="440505"/>
+            <a:ext cx="3858273" cy="460375"/>
           </a:xfrm>
           <a:prstGeom prst="rect">
             <a:avLst/>
@@ -7354,14 +7027,26 @@
               <a:defRPr/>
             </a:pPr>
             <a:r>
-              <a:rPr lang="zh-CN" altLang="en-US" sz="3200" kern="0" dirty="0" smtClean="0">
+              <a:rPr lang="en-US" altLang="zh-CN" sz="2400" b="1" dirty="0" smtClean="0">
                 <a:solidFill>
                   <a:srgbClr val="156CBE"/>
                 </a:solidFill>
-                <a:latin typeface="微软雅黑" panose="020B0503020204020204" pitchFamily="34" charset="-122"/>
-                <a:ea typeface="微软雅黑" panose="020B0503020204020204" pitchFamily="34" charset="-122"/>
+                <a:latin typeface="方正兰亭超细黑简体" pitchFamily="2" charset="-122"/>
+                <a:ea typeface="方正兰亭超细黑简体" pitchFamily="2" charset="-122"/>
+                <a:sym typeface="方正兰亭超细黑简体" pitchFamily="2" charset="-122"/>
               </a:rPr>
-              <a:t> </a:t>
+              <a:t>babel </a:t>
+            </a:r>
+            <a:r>
+              <a:rPr lang="zh-CN" altLang="en-US" sz="2400" b="1" dirty="0" smtClean="0">
+                <a:solidFill>
+                  <a:srgbClr val="156CBE"/>
+                </a:solidFill>
+                <a:latin typeface="方正兰亭超细黑简体" pitchFamily="2" charset="-122"/>
+                <a:ea typeface="方正兰亭超细黑简体" pitchFamily="2" charset="-122"/>
+                <a:sym typeface="方正兰亭超细黑简体" pitchFamily="2" charset="-122"/>
+              </a:rPr>
+              <a:t>的配置</a:t>
             </a:r>
             <a:endParaRPr lang="zh-CN" altLang="en-US" sz="2400" b="1" dirty="0">
               <a:solidFill>
@@ -7376,231 +7061,131 @@
       </p:sp>
       <p:sp>
         <p:nvSpPr>
-          <p:cNvPr id="8" name="文本框 2"/>
-          <p:cNvSpPr>
-            <a:spLocks noChangeArrowheads="1"/>
-          </p:cNvSpPr>
+          <p:cNvPr id="2" name="矩形 1"/>
+          <p:cNvSpPr/>
           <p:nvPr/>
         </p:nvSpPr>
-        <p:spPr bwMode="auto">
+        <p:spPr>
           <a:xfrm>
-            <a:off x="2070111" y="1888845"/>
-            <a:ext cx="5565775" cy="707886"/>
+            <a:off x="169121" y="1406874"/>
+            <a:ext cx="8974667" cy="1691640"/>
           </a:xfrm>
           <a:prstGeom prst="rect">
             <a:avLst/>
           </a:prstGeom>
-          <a:noFill/>
-          <a:ln>
-            <a:noFill/>
-          </a:ln>
         </p:spPr>
         <p:txBody>
-          <a:bodyPr>
+          <a:bodyPr wrap="square">
             <a:spAutoFit/>
           </a:bodyPr>
-          <a:lstStyle>
-            <a:lvl1pPr eaLnBrk="0" hangingPunct="0">
-              <a:defRPr>
-                <a:solidFill>
-                  <a:schemeClr val="tx1"/>
-                </a:solidFill>
-                <a:latin typeface="Arial" panose="020B0604020202020204" pitchFamily="34" charset="0"/>
-                <a:ea typeface="宋体" panose="02010600030101010101" pitchFamily="2" charset="-122"/>
-              </a:defRPr>
-            </a:lvl1pPr>
-            <a:lvl2pPr marL="742950" indent="-285750" eaLnBrk="0" hangingPunct="0">
-              <a:defRPr>
-                <a:solidFill>
-                  <a:schemeClr val="tx1"/>
-                </a:solidFill>
-                <a:latin typeface="Arial" panose="020B0604020202020204" pitchFamily="34" charset="0"/>
-                <a:ea typeface="宋体" panose="02010600030101010101" pitchFamily="2" charset="-122"/>
-              </a:defRPr>
-            </a:lvl2pPr>
-            <a:lvl3pPr marL="1143000" indent="-228600" eaLnBrk="0" hangingPunct="0">
-              <a:defRPr>
-                <a:solidFill>
-                  <a:schemeClr val="tx1"/>
-                </a:solidFill>
-                <a:latin typeface="Arial" panose="020B0604020202020204" pitchFamily="34" charset="0"/>
-                <a:ea typeface="宋体" panose="02010600030101010101" pitchFamily="2" charset="-122"/>
-              </a:defRPr>
-            </a:lvl3pPr>
-            <a:lvl4pPr marL="1600200" indent="-228600" eaLnBrk="0" hangingPunct="0">
-              <a:defRPr>
-                <a:solidFill>
-                  <a:schemeClr val="tx1"/>
-                </a:solidFill>
-                <a:latin typeface="Arial" panose="020B0604020202020204" pitchFamily="34" charset="0"/>
-                <a:ea typeface="宋体" panose="02010600030101010101" pitchFamily="2" charset="-122"/>
-              </a:defRPr>
-            </a:lvl4pPr>
-            <a:lvl5pPr marL="2057400" indent="-228600" eaLnBrk="0" hangingPunct="0">
-              <a:defRPr>
-                <a:solidFill>
-                  <a:schemeClr val="tx1"/>
-                </a:solidFill>
-                <a:latin typeface="Arial" panose="020B0604020202020204" pitchFamily="34" charset="0"/>
-                <a:ea typeface="宋体" panose="02010600030101010101" pitchFamily="2" charset="-122"/>
-              </a:defRPr>
-            </a:lvl5pPr>
-            <a:lvl6pPr marL="2514600" indent="-228600" eaLnBrk="0" fontAlgn="base" hangingPunct="0">
-              <a:spcBef>
-                <a:spcPct val="0"/>
-              </a:spcBef>
-              <a:spcAft>
-                <a:spcPct val="0"/>
-              </a:spcAft>
-              <a:buFont typeface="Arial" panose="020B0604020202020204" pitchFamily="34" charset="0"/>
-              <a:defRPr>
-                <a:solidFill>
-                  <a:schemeClr val="tx1"/>
-                </a:solidFill>
-                <a:latin typeface="Arial" panose="020B0604020202020204" pitchFamily="34" charset="0"/>
-                <a:ea typeface="宋体" panose="02010600030101010101" pitchFamily="2" charset="-122"/>
-              </a:defRPr>
-            </a:lvl6pPr>
-            <a:lvl7pPr marL="2971800" indent="-228600" eaLnBrk="0" fontAlgn="base" hangingPunct="0">
-              <a:spcBef>
-                <a:spcPct val="0"/>
-              </a:spcBef>
-              <a:spcAft>
-                <a:spcPct val="0"/>
-              </a:spcAft>
-              <a:buFont typeface="Arial" panose="020B0604020202020204" pitchFamily="34" charset="0"/>
-              <a:defRPr>
-                <a:solidFill>
-                  <a:schemeClr val="tx1"/>
-                </a:solidFill>
-                <a:latin typeface="Arial" panose="020B0604020202020204" pitchFamily="34" charset="0"/>
-                <a:ea typeface="宋体" panose="02010600030101010101" pitchFamily="2" charset="-122"/>
-              </a:defRPr>
-            </a:lvl7pPr>
-            <a:lvl8pPr marL="3429000" indent="-228600" eaLnBrk="0" fontAlgn="base" hangingPunct="0">
-              <a:spcBef>
-                <a:spcPct val="0"/>
-              </a:spcBef>
-              <a:spcAft>
-                <a:spcPct val="0"/>
-              </a:spcAft>
-              <a:buFont typeface="Arial" panose="020B0604020202020204" pitchFamily="34" charset="0"/>
-              <a:defRPr>
-                <a:solidFill>
-                  <a:schemeClr val="tx1"/>
-                </a:solidFill>
-                <a:latin typeface="Arial" panose="020B0604020202020204" pitchFamily="34" charset="0"/>
-                <a:ea typeface="宋体" panose="02010600030101010101" pitchFamily="2" charset="-122"/>
-              </a:defRPr>
-            </a:lvl8pPr>
-            <a:lvl9pPr marL="3886200" indent="-228600" eaLnBrk="0" fontAlgn="base" hangingPunct="0">
-              <a:spcBef>
-                <a:spcPct val="0"/>
-              </a:spcBef>
-              <a:spcAft>
-                <a:spcPct val="0"/>
-              </a:spcAft>
-              <a:buFont typeface="Arial" panose="020B0604020202020204" pitchFamily="34" charset="0"/>
-              <a:defRPr>
-                <a:solidFill>
-                  <a:schemeClr val="tx1"/>
-                </a:solidFill>
-                <a:latin typeface="Arial" panose="020B0604020202020204" pitchFamily="34" charset="0"/>
-                <a:ea typeface="宋体" panose="02010600030101010101" pitchFamily="2" charset="-122"/>
-              </a:defRPr>
-            </a:lvl9pPr>
-          </a:lstStyle>
-          <a:p>
-            <a:pPr>
-              <a:buFont typeface="Arial" panose="020B0604020202020204" pitchFamily="34" charset="0"/>
-              <a:buNone/>
-              <a:defRPr/>
-            </a:pPr>
-            <a:r>
-              <a:rPr lang="en-US" altLang="zh-CN" sz="4000" b="1" dirty="0" smtClean="0">
-                <a:solidFill>
-                  <a:srgbClr val="156CBE"/>
-                </a:solidFill>
-                <a:latin typeface="方正兰亭超细黑简体" pitchFamily="2" charset="-122"/>
-                <a:ea typeface="方正兰亭超细黑简体" pitchFamily="2" charset="-122"/>
-                <a:sym typeface="方正兰亭超细黑简体" pitchFamily="2" charset="-122"/>
-              </a:rPr>
-              <a:t>q.js</a:t>
-            </a:r>
-            <a:r>
-              <a:rPr lang="zh-CN" altLang="en-US" sz="4000" b="1" dirty="0" smtClean="0">
-                <a:solidFill>
-                  <a:srgbClr val="156CBE"/>
-                </a:solidFill>
-                <a:latin typeface="方正兰亭超细黑简体" pitchFamily="2" charset="-122"/>
-                <a:ea typeface="方正兰亭超细黑简体" pitchFamily="2" charset="-122"/>
-                <a:sym typeface="方正兰亭超细黑简体" pitchFamily="2" charset="-122"/>
-              </a:rPr>
-              <a:t>源码分析</a:t>
-            </a:r>
-            <a:endParaRPr lang="zh-CN" altLang="en-US" sz="4000" b="1" dirty="0">
-              <a:solidFill>
-                <a:srgbClr val="156CBE"/>
-              </a:solidFill>
-              <a:latin typeface="方正兰亭超细黑简体" pitchFamily="2" charset="-122"/>
-              <a:ea typeface="方正兰亭超细黑简体" pitchFamily="2" charset="-122"/>
-              <a:sym typeface="方正兰亭超细黑简体" pitchFamily="2" charset="-122"/>
-            </a:endParaRPr>
-          </a:p>
-        </p:txBody>
-      </p:sp>
-      <p:sp>
-        <p:nvSpPr>
-          <p:cNvPr id="2" name="文本框 1"/>
-          <p:cNvSpPr txBox="1"/>
-          <p:nvPr/>
-        </p:nvSpPr>
-        <p:spPr>
-          <a:xfrm>
-            <a:off x="738894" y="471502"/>
-            <a:ext cx="1759071" cy="461665"/>
-          </a:xfrm>
-          <a:prstGeom prst="rect">
-            <a:avLst/>
-          </a:prstGeom>
-          <a:noFill/>
-        </p:spPr>
-        <p:txBody>
-          <a:bodyPr wrap="none" rtlCol="0">
-            <a:spAutoFit/>
-          </a:bodyPr>
-          <a:lstStyle/>
-          <a:p>
-            <a:r>
-              <a:rPr lang="en-US" altLang="zh-CN" sz="2400" b="1" dirty="0">
-                <a:solidFill>
-                  <a:srgbClr val="000000"/>
-                </a:solidFill>
-                <a:latin typeface="微软雅黑" panose="020B0503020204020204" pitchFamily="34" charset="-122"/>
-                <a:ea typeface="微软雅黑" panose="020B0503020204020204" pitchFamily="34" charset="-122"/>
-                <a:sym typeface="方正兰亭超细黑简体" pitchFamily="2" charset="-122"/>
-              </a:rPr>
-              <a:t>PART </a:t>
-            </a:r>
-            <a:r>
-              <a:rPr lang="en-US" altLang="zh-CN" sz="2400" b="1" dirty="0" smtClean="0">
-                <a:solidFill>
-                  <a:srgbClr val="000000"/>
-                </a:solidFill>
-                <a:latin typeface="微软雅黑" panose="020B0503020204020204" pitchFamily="34" charset="-122"/>
-                <a:ea typeface="微软雅黑" panose="020B0503020204020204" pitchFamily="34" charset="-122"/>
-                <a:sym typeface="方正兰亭超细黑简体" pitchFamily="2" charset="-122"/>
-              </a:rPr>
-              <a:t>FIVE</a:t>
-            </a:r>
-            <a:endParaRPr lang="en-US" altLang="zh-CN" sz="2400" b="1" dirty="0">
-              <a:solidFill>
-                <a:srgbClr val="000000"/>
-              </a:solidFill>
-              <a:latin typeface="微软雅黑" panose="020B0503020204020204" pitchFamily="34" charset="-122"/>
-              <a:ea typeface="微软雅黑" panose="020B0503020204020204" pitchFamily="34" charset="-122"/>
-              <a:sym typeface="方正兰亭超细黑简体" pitchFamily="2" charset="-122"/>
-            </a:endParaRPr>
+          <a:lstStyle/>
+          <a:p>
+            <a:r>
+              <a:rPr lang="en-US" altLang="zh-CN" dirty="0" smtClean="0"/>
+              <a:t>  </a:t>
+            </a:r>
+            <a:r>
+              <a:rPr lang="en-US" altLang="zh-CN" sz="2400" dirty="0" err="1" smtClean="0"/>
+              <a:t>bable</a:t>
+            </a:r>
+            <a:r>
+              <a:rPr lang="en-US" altLang="zh-CN" sz="2400" dirty="0" smtClean="0"/>
+              <a:t> </a:t>
+            </a:r>
+            <a:r>
+              <a:rPr lang="zh-CN" altLang="en-US" sz="2400" dirty="0" smtClean="0"/>
+              <a:t>配置的三种方式：</a:t>
+            </a:r>
+            <a:endParaRPr lang="en-US" altLang="zh-CN" sz="2400" dirty="0" smtClean="0"/>
+          </a:p>
+          <a:p>
+            <a:r>
+              <a:rPr lang="en-US" altLang="zh-CN" sz="4400" dirty="0" smtClean="0"/>
+              <a:t>	</a:t>
+            </a:r>
+            <a:r>
+              <a:rPr lang="en-US" altLang="zh-CN" dirty="0" smtClean="0"/>
+              <a:t>1</a:t>
+            </a:r>
+            <a:r>
+              <a:rPr lang="zh-CN" altLang="en-US" dirty="0" smtClean="0"/>
+              <a:t>、在</a:t>
+            </a:r>
+            <a:r>
+              <a:rPr lang="en-US" altLang="zh-CN" dirty="0" err="1" smtClean="0"/>
+              <a:t>package.json</a:t>
+            </a:r>
+            <a:r>
+              <a:rPr lang="zh-CN" altLang="en-US" dirty="0" smtClean="0"/>
+              <a:t>中写入</a:t>
+            </a:r>
+            <a:r>
+              <a:rPr lang="en-US" altLang="zh-CN" dirty="0" smtClean="0"/>
+              <a:t>’</a:t>
+            </a:r>
+            <a:r>
+              <a:rPr lang="en-US" altLang="zh-CN" dirty="0" err="1" smtClean="0"/>
+              <a:t>babel</a:t>
+            </a:r>
+            <a:r>
+              <a:rPr lang="en-US" altLang="zh-CN" dirty="0" smtClean="0"/>
+              <a:t>’</a:t>
+            </a:r>
+            <a:r>
+              <a:rPr lang="zh-CN" altLang="en-US" dirty="0" smtClean="0"/>
+              <a:t>：</a:t>
+            </a:r>
+            <a:r>
+              <a:rPr lang="en-US" altLang="zh-CN" dirty="0" smtClean="0"/>
+              <a:t>{ }</a:t>
+            </a:r>
+            <a:endParaRPr lang="en-US" altLang="zh-CN" dirty="0" smtClean="0"/>
+          </a:p>
+          <a:p>
+            <a:r>
+              <a:rPr lang="en-US" altLang="zh-CN" dirty="0" smtClean="0"/>
+              <a:t>	2</a:t>
+            </a:r>
+            <a:r>
+              <a:rPr lang="zh-CN" altLang="en-US" dirty="0" smtClean="0"/>
+              <a:t>、在</a:t>
+            </a:r>
+            <a:r>
+              <a:rPr lang="en-US" altLang="zh-CN" dirty="0" smtClean="0"/>
+              <a:t>loader</a:t>
+            </a:r>
+            <a:r>
+              <a:rPr lang="zh-CN" altLang="en-US" dirty="0" smtClean="0"/>
+              <a:t>中配置</a:t>
+            </a:r>
+            <a:r>
+              <a:rPr lang="en-US" altLang="zh-CN" dirty="0" smtClean="0"/>
+              <a:t>query</a:t>
+            </a:r>
+            <a:endParaRPr lang="en-US" altLang="zh-CN" dirty="0" smtClean="0"/>
+          </a:p>
+          <a:p>
+            <a:r>
+              <a:rPr lang="en-US" altLang="zh-CN" dirty="0" smtClean="0"/>
+              <a:t>	3</a:t>
+            </a:r>
+            <a:r>
+              <a:rPr lang="zh-CN" altLang="en-US" dirty="0" smtClean="0"/>
+              <a:t>、在目录下添加</a:t>
+            </a:r>
+            <a:r>
+              <a:rPr lang="en-US" altLang="zh-CN" dirty="0" smtClean="0"/>
+              <a:t>.</a:t>
+            </a:r>
+            <a:r>
+              <a:rPr lang="en-US" altLang="zh-CN" dirty="0" err="1" smtClean="0"/>
+              <a:t>babelrc</a:t>
+            </a:r>
+            <a:r>
+              <a:rPr lang="zh-CN" altLang="en-US" dirty="0" smtClean="0"/>
+              <a:t>配置</a:t>
+            </a:r>
+            <a:endParaRPr lang="en-US" altLang="zh-CN" dirty="0" smtClean="0"/>
           </a:p>
         </p:txBody>
       </p:sp>
@@ -7676,8 +7261,8 @@
         </p:nvSpPr>
         <p:spPr bwMode="auto">
           <a:xfrm>
-            <a:off x="738893" y="440505"/>
-            <a:ext cx="3858273" cy="461665"/>
+            <a:off x="738894" y="345258"/>
+            <a:ext cx="6971073" cy="584775"/>
           </a:xfrm>
           <a:prstGeom prst="rect">
             <a:avLst/>
@@ -7699,26 +7284,14 @@
               <a:defRPr/>
             </a:pPr>
             <a:r>
-              <a:rPr lang="en-US" altLang="zh-CN" sz="2400" b="1" dirty="0">
+              <a:rPr lang="zh-CN" altLang="en-US" sz="3200" kern="0" dirty="0" smtClean="0">
                 <a:solidFill>
                   <a:srgbClr val="156CBE"/>
                 </a:solidFill>
-                <a:latin typeface="方正兰亭超细黑简体" pitchFamily="2" charset="-122"/>
-                <a:ea typeface="方正兰亭超细黑简体" pitchFamily="2" charset="-122"/>
-                <a:sym typeface="方正兰亭超细黑简体" pitchFamily="2" charset="-122"/>
+                <a:latin typeface="微软雅黑" panose="020B0503020204020204" pitchFamily="34" charset="-122"/>
+                <a:ea typeface="微软雅黑" panose="020B0503020204020204" pitchFamily="34" charset="-122"/>
               </a:rPr>
-              <a:t>q.js</a:t>
-            </a:r>
-            <a:r>
-              <a:rPr lang="zh-CN" altLang="en-US" sz="2400" b="1" dirty="0">
-                <a:solidFill>
-                  <a:srgbClr val="156CBE"/>
-                </a:solidFill>
-                <a:latin typeface="方正兰亭超细黑简体" pitchFamily="2" charset="-122"/>
-                <a:ea typeface="方正兰亭超细黑简体" pitchFamily="2" charset="-122"/>
-                <a:sym typeface="方正兰亭超细黑简体" pitchFamily="2" charset="-122"/>
-              </a:rPr>
-              <a:t>源码分析</a:t>
+              <a:t> </a:t>
             </a:r>
             <a:endParaRPr lang="zh-CN" altLang="en-US" sz="2400" b="1" dirty="0">
               <a:solidFill>
@@ -7733,131 +7306,229 @@
       </p:sp>
       <p:sp>
         <p:nvSpPr>
-          <p:cNvPr id="2" name="矩形 1"/>
-          <p:cNvSpPr/>
+          <p:cNvPr id="8" name="文本框 2"/>
+          <p:cNvSpPr>
+            <a:spLocks noChangeArrowheads="1"/>
+          </p:cNvSpPr>
           <p:nvPr/>
         </p:nvSpPr>
-        <p:spPr>
+        <p:spPr bwMode="auto">
           <a:xfrm>
-            <a:off x="84666" y="1869789"/>
-            <a:ext cx="8974667" cy="1906905"/>
+            <a:off x="2070111" y="1888845"/>
+            <a:ext cx="5740039" cy="707886"/>
           </a:xfrm>
           <a:prstGeom prst="rect">
             <a:avLst/>
           </a:prstGeom>
+          <a:noFill/>
+          <a:ln>
+            <a:noFill/>
+          </a:ln>
         </p:spPr>
         <p:txBody>
           <a:bodyPr wrap="square">
             <a:spAutoFit/>
           </a:bodyPr>
-          <a:lstStyle/>
-          <a:p>
-            <a:r>
-              <a:rPr lang="en-US" altLang="zh-CN" dirty="0" smtClean="0"/>
-              <a:t>  </a:t>
-            </a:r>
-            <a:r>
-              <a:rPr lang="en-US" altLang="zh-CN" dirty="0" err="1" smtClean="0"/>
-              <a:t>bable</a:t>
-            </a:r>
-            <a:r>
-              <a:rPr lang="en-US" altLang="zh-CN" dirty="0" smtClean="0"/>
-              <a:t> </a:t>
-            </a:r>
-            <a:r>
-              <a:rPr lang="zh-CN" altLang="en-US" dirty="0" smtClean="0"/>
-              <a:t>配置的三种方式：</a:t>
-            </a:r>
-            <a:endParaRPr lang="en-US" altLang="zh-CN" dirty="0" smtClean="0"/>
-          </a:p>
-          <a:p>
-            <a:r>
-              <a:rPr lang="en-US" altLang="zh-CN" sz="4400" dirty="0" smtClean="0"/>
-              <a:t>	</a:t>
-            </a:r>
-            <a:r>
-              <a:rPr lang="en-US" altLang="zh-CN" sz="2800" dirty="0" smtClean="0"/>
-              <a:t>1</a:t>
-            </a:r>
-            <a:r>
-              <a:rPr lang="zh-CN" altLang="en-US" sz="2800" dirty="0" smtClean="0"/>
-              <a:t>、在</a:t>
-            </a:r>
-            <a:r>
-              <a:rPr lang="en-US" altLang="zh-CN" sz="2800" dirty="0" err="1" smtClean="0"/>
-              <a:t>package.json</a:t>
-            </a:r>
-            <a:r>
-              <a:rPr lang="zh-CN" altLang="en-US" sz="2800" dirty="0" smtClean="0"/>
-              <a:t>中写入</a:t>
-            </a:r>
-            <a:r>
-              <a:rPr lang="en-US" altLang="zh-CN" sz="2800" dirty="0" smtClean="0"/>
-              <a:t>’</a:t>
-            </a:r>
-            <a:r>
-              <a:rPr lang="en-US" altLang="zh-CN" sz="2800" dirty="0" err="1" smtClean="0"/>
-              <a:t>babel</a:t>
-            </a:r>
-            <a:r>
-              <a:rPr lang="en-US" altLang="zh-CN" sz="2800" dirty="0" smtClean="0"/>
-              <a:t>’</a:t>
-            </a:r>
-            <a:r>
-              <a:rPr lang="zh-CN" altLang="en-US" sz="2800" dirty="0" smtClean="0"/>
-              <a:t>：</a:t>
-            </a:r>
-            <a:r>
-              <a:rPr lang="en-US" altLang="zh-CN" sz="2800" dirty="0" smtClean="0"/>
-              <a:t>{ }</a:t>
-            </a:r>
-            <a:endParaRPr lang="en-US" altLang="zh-CN" sz="2800" dirty="0" smtClean="0"/>
-          </a:p>
-          <a:p>
-            <a:r>
-              <a:rPr lang="en-US" altLang="zh-CN" sz="2800" dirty="0" smtClean="0"/>
-              <a:t>	2</a:t>
-            </a:r>
-            <a:r>
-              <a:rPr lang="zh-CN" altLang="en-US" sz="2800" dirty="0" smtClean="0"/>
-              <a:t>、在</a:t>
-            </a:r>
-            <a:r>
-              <a:rPr lang="en-US" altLang="zh-CN" sz="2800" dirty="0" smtClean="0"/>
-              <a:t>loader</a:t>
-            </a:r>
-            <a:r>
-              <a:rPr lang="zh-CN" altLang="en-US" sz="2800" dirty="0" smtClean="0"/>
-              <a:t>中配置</a:t>
-            </a:r>
-            <a:r>
-              <a:rPr lang="en-US" altLang="zh-CN" sz="2800" dirty="0" smtClean="0"/>
-              <a:t>query</a:t>
-            </a:r>
-            <a:endParaRPr lang="en-US" altLang="zh-CN" sz="2800" dirty="0" smtClean="0"/>
-          </a:p>
-          <a:p>
-            <a:r>
-              <a:rPr lang="en-US" altLang="zh-CN" sz="2800" dirty="0" smtClean="0"/>
-              <a:t>	3</a:t>
-            </a:r>
-            <a:r>
-              <a:rPr lang="zh-CN" altLang="en-US" sz="2800" dirty="0" smtClean="0"/>
-              <a:t>、在目录下添加</a:t>
-            </a:r>
-            <a:r>
-              <a:rPr lang="en-US" altLang="zh-CN" sz="2800" dirty="0" smtClean="0"/>
-              <a:t>.</a:t>
-            </a:r>
-            <a:r>
-              <a:rPr lang="en-US" altLang="zh-CN" sz="2800" dirty="0" err="1" smtClean="0"/>
-              <a:t>babelrc</a:t>
-            </a:r>
-            <a:r>
-              <a:rPr lang="zh-CN" altLang="en-US" sz="2800" dirty="0" smtClean="0"/>
-              <a:t>配置</a:t>
-            </a:r>
-            <a:endParaRPr lang="en-US" altLang="zh-CN" sz="2800" dirty="0" smtClean="0"/>
+          <a:lstStyle>
+            <a:lvl1pPr eaLnBrk="0" hangingPunct="0">
+              <a:defRPr>
+                <a:solidFill>
+                  <a:schemeClr val="tx1"/>
+                </a:solidFill>
+                <a:latin typeface="Arial" panose="020B0604020202020204" pitchFamily="34" charset="0"/>
+                <a:ea typeface="宋体" panose="02010600030101010101" pitchFamily="2" charset="-122"/>
+              </a:defRPr>
+            </a:lvl1pPr>
+            <a:lvl2pPr marL="742950" indent="-285750" eaLnBrk="0" hangingPunct="0">
+              <a:defRPr>
+                <a:solidFill>
+                  <a:schemeClr val="tx1"/>
+                </a:solidFill>
+                <a:latin typeface="Arial" panose="020B0604020202020204" pitchFamily="34" charset="0"/>
+                <a:ea typeface="宋体" panose="02010600030101010101" pitchFamily="2" charset="-122"/>
+              </a:defRPr>
+            </a:lvl2pPr>
+            <a:lvl3pPr marL="1143000" indent="-228600" eaLnBrk="0" hangingPunct="0">
+              <a:defRPr>
+                <a:solidFill>
+                  <a:schemeClr val="tx1"/>
+                </a:solidFill>
+                <a:latin typeface="Arial" panose="020B0604020202020204" pitchFamily="34" charset="0"/>
+                <a:ea typeface="宋体" panose="02010600030101010101" pitchFamily="2" charset="-122"/>
+              </a:defRPr>
+            </a:lvl3pPr>
+            <a:lvl4pPr marL="1600200" indent="-228600" eaLnBrk="0" hangingPunct="0">
+              <a:defRPr>
+                <a:solidFill>
+                  <a:schemeClr val="tx1"/>
+                </a:solidFill>
+                <a:latin typeface="Arial" panose="020B0604020202020204" pitchFamily="34" charset="0"/>
+                <a:ea typeface="宋体" panose="02010600030101010101" pitchFamily="2" charset="-122"/>
+              </a:defRPr>
+            </a:lvl4pPr>
+            <a:lvl5pPr marL="2057400" indent="-228600" eaLnBrk="0" hangingPunct="0">
+              <a:defRPr>
+                <a:solidFill>
+                  <a:schemeClr val="tx1"/>
+                </a:solidFill>
+                <a:latin typeface="Arial" panose="020B0604020202020204" pitchFamily="34" charset="0"/>
+                <a:ea typeface="宋体" panose="02010600030101010101" pitchFamily="2" charset="-122"/>
+              </a:defRPr>
+            </a:lvl5pPr>
+            <a:lvl6pPr marL="2514600" indent="-228600" eaLnBrk="0" fontAlgn="base" hangingPunct="0">
+              <a:spcBef>
+                <a:spcPct val="0"/>
+              </a:spcBef>
+              <a:spcAft>
+                <a:spcPct val="0"/>
+              </a:spcAft>
+              <a:buFont typeface="Arial" panose="020B0604020202020204" pitchFamily="34" charset="0"/>
+              <a:defRPr>
+                <a:solidFill>
+                  <a:schemeClr val="tx1"/>
+                </a:solidFill>
+                <a:latin typeface="Arial" panose="020B0604020202020204" pitchFamily="34" charset="0"/>
+                <a:ea typeface="宋体" panose="02010600030101010101" pitchFamily="2" charset="-122"/>
+              </a:defRPr>
+            </a:lvl6pPr>
+            <a:lvl7pPr marL="2971800" indent="-228600" eaLnBrk="0" fontAlgn="base" hangingPunct="0">
+              <a:spcBef>
+                <a:spcPct val="0"/>
+              </a:spcBef>
+              <a:spcAft>
+                <a:spcPct val="0"/>
+              </a:spcAft>
+              <a:buFont typeface="Arial" panose="020B0604020202020204" pitchFamily="34" charset="0"/>
+              <a:defRPr>
+                <a:solidFill>
+                  <a:schemeClr val="tx1"/>
+                </a:solidFill>
+                <a:latin typeface="Arial" panose="020B0604020202020204" pitchFamily="34" charset="0"/>
+                <a:ea typeface="宋体" panose="02010600030101010101" pitchFamily="2" charset="-122"/>
+              </a:defRPr>
+            </a:lvl7pPr>
+            <a:lvl8pPr marL="3429000" indent="-228600" eaLnBrk="0" fontAlgn="base" hangingPunct="0">
+              <a:spcBef>
+                <a:spcPct val="0"/>
+              </a:spcBef>
+              <a:spcAft>
+                <a:spcPct val="0"/>
+              </a:spcAft>
+              <a:buFont typeface="Arial" panose="020B0604020202020204" pitchFamily="34" charset="0"/>
+              <a:defRPr>
+                <a:solidFill>
+                  <a:schemeClr val="tx1"/>
+                </a:solidFill>
+                <a:latin typeface="Arial" panose="020B0604020202020204" pitchFamily="34" charset="0"/>
+                <a:ea typeface="宋体" panose="02010600030101010101" pitchFamily="2" charset="-122"/>
+              </a:defRPr>
+            </a:lvl8pPr>
+            <a:lvl9pPr marL="3886200" indent="-228600" eaLnBrk="0" fontAlgn="base" hangingPunct="0">
+              <a:spcBef>
+                <a:spcPct val="0"/>
+              </a:spcBef>
+              <a:spcAft>
+                <a:spcPct val="0"/>
+              </a:spcAft>
+              <a:buFont typeface="Arial" panose="020B0604020202020204" pitchFamily="34" charset="0"/>
+              <a:defRPr>
+                <a:solidFill>
+                  <a:schemeClr val="tx1"/>
+                </a:solidFill>
+                <a:latin typeface="Arial" panose="020B0604020202020204" pitchFamily="34" charset="0"/>
+                <a:ea typeface="宋体" panose="02010600030101010101" pitchFamily="2" charset="-122"/>
+              </a:defRPr>
+            </a:lvl9pPr>
+          </a:lstStyle>
+          <a:p>
+            <a:pPr>
+              <a:buFont typeface="Arial" panose="020B0604020202020204" pitchFamily="34" charset="0"/>
+              <a:buNone/>
+              <a:defRPr/>
+            </a:pPr>
+            <a:r>
+              <a:rPr lang="en-US" altLang="zh-CN" sz="4000" kern="0" dirty="0">
+                <a:solidFill>
+                  <a:srgbClr val="156CBE"/>
+                </a:solidFill>
+                <a:latin typeface="微软雅黑" panose="020B0503020204020204" pitchFamily="34" charset="-122"/>
+                <a:ea typeface="微软雅黑" panose="020B0503020204020204" pitchFamily="34" charset="-122"/>
+              </a:rPr>
+              <a:t>q.js</a:t>
+            </a:r>
+            <a:r>
+              <a:rPr lang="zh-CN" altLang="en-US" sz="4000" kern="0" dirty="0">
+                <a:solidFill>
+                  <a:srgbClr val="156CBE"/>
+                </a:solidFill>
+                <a:latin typeface="微软雅黑" panose="020B0503020204020204" pitchFamily="34" charset="-122"/>
+                <a:ea typeface="微软雅黑" panose="020B0503020204020204" pitchFamily="34" charset="-122"/>
+              </a:rPr>
+              <a:t>中的坑以及解决方案</a:t>
+            </a:r>
+            <a:endParaRPr lang="zh-CN" altLang="en-US" sz="4000" b="1" dirty="0">
+              <a:solidFill>
+                <a:srgbClr val="156CBE"/>
+              </a:solidFill>
+              <a:latin typeface="方正兰亭超细黑简体" pitchFamily="2" charset="-122"/>
+              <a:ea typeface="方正兰亭超细黑简体" pitchFamily="2" charset="-122"/>
+              <a:sym typeface="方正兰亭超细黑简体" pitchFamily="2" charset="-122"/>
+            </a:endParaRPr>
+          </a:p>
+        </p:txBody>
+      </p:sp>
+      <p:sp>
+        <p:nvSpPr>
+          <p:cNvPr id="2" name="文本框 1"/>
+          <p:cNvSpPr txBox="1"/>
+          <p:nvPr/>
+        </p:nvSpPr>
+        <p:spPr>
+          <a:xfrm>
+            <a:off x="738894" y="471502"/>
+            <a:ext cx="1592359" cy="461665"/>
+          </a:xfrm>
+          <a:prstGeom prst="rect">
+            <a:avLst/>
+          </a:prstGeom>
+          <a:noFill/>
+        </p:spPr>
+        <p:txBody>
+          <a:bodyPr wrap="none" rtlCol="0">
+            <a:spAutoFit/>
+          </a:bodyPr>
+          <a:lstStyle/>
+          <a:p>
+            <a:r>
+              <a:rPr lang="en-US" altLang="zh-CN" sz="2400" b="1" dirty="0">
+                <a:solidFill>
+                  <a:srgbClr val="000000"/>
+                </a:solidFill>
+                <a:latin typeface="微软雅黑" panose="020B0503020204020204" pitchFamily="34" charset="-122"/>
+                <a:ea typeface="微软雅黑" panose="020B0503020204020204" pitchFamily="34" charset="-122"/>
+                <a:sym typeface="方正兰亭超细黑简体" pitchFamily="2" charset="-122"/>
+              </a:rPr>
+              <a:t>PART </a:t>
+            </a:r>
+            <a:r>
+              <a:rPr lang="en-US" altLang="zh-CN" sz="2400" b="1" dirty="0" smtClean="0">
+                <a:solidFill>
+                  <a:srgbClr val="000000"/>
+                </a:solidFill>
+                <a:latin typeface="微软雅黑" panose="020B0503020204020204" pitchFamily="34" charset="-122"/>
+                <a:ea typeface="微软雅黑" panose="020B0503020204020204" pitchFamily="34" charset="-122"/>
+                <a:sym typeface="方正兰亭超细黑简体" pitchFamily="2" charset="-122"/>
+              </a:rPr>
+              <a:t>SIX</a:t>
+            </a:r>
+            <a:endParaRPr lang="en-US" altLang="zh-CN" sz="2400" b="1" dirty="0">
+              <a:solidFill>
+                <a:srgbClr val="000000"/>
+              </a:solidFill>
+              <a:latin typeface="微软雅黑" panose="020B0503020204020204" pitchFamily="34" charset="-122"/>
+              <a:ea typeface="微软雅黑" panose="020B0503020204020204" pitchFamily="34" charset="-122"/>
+              <a:sym typeface="方正兰亭超细黑简体" pitchFamily="2" charset="-122"/>
+            </a:endParaRPr>
           </a:p>
         </p:txBody>
       </p:sp>
@@ -7877,349 +7548,6 @@
 </file>
 
 <file path=ppt/slides/slide17.xml><?xml version="1.0" encoding="utf-8"?>
-<p:sld xmlns:a="http://schemas.openxmlformats.org/drawingml/2006/main" xmlns:r="http://schemas.openxmlformats.org/officeDocument/2006/relationships" xmlns:p="http://schemas.openxmlformats.org/presentationml/2006/main">
-  <p:cSld>
-    <p:spTree>
-      <p:nvGrpSpPr>
-        <p:cNvPr id="1" name=""/>
-        <p:cNvGrpSpPr/>
-        <p:nvPr/>
-      </p:nvGrpSpPr>
-      <p:grpSpPr>
-        <a:xfrm>
-          <a:off x="0" y="0"/>
-          <a:ext cx="0" cy="0"/>
-          <a:chOff x="0" y="0"/>
-          <a:chExt cx="0" cy="0"/>
-        </a:xfrm>
-      </p:grpSpPr>
-      <p:pic>
-        <p:nvPicPr>
-          <p:cNvPr id="6" name="图片 5" descr="唯医培训PPT-内容页.jpg"/>
-          <p:cNvPicPr>
-            <a:picLocks noChangeAspect="1"/>
-          </p:cNvPicPr>
-          <p:nvPr/>
-        </p:nvPicPr>
-        <p:blipFill>
-          <a:blip r:embed="rId1">
-            <a:extLst>
-              <a:ext uri="{28A0092B-C50C-407E-A947-70E740481C1C}">
-                <a14:useLocalDpi xmlns:a14="http://schemas.microsoft.com/office/drawing/2010/main" val="0"/>
-              </a:ext>
-            </a:extLst>
-          </a:blip>
-          <a:stretch>
-            <a:fillRect/>
-          </a:stretch>
-        </p:blipFill>
-        <p:spPr>
-          <a:xfrm>
-            <a:off x="0" y="0"/>
-            <a:ext cx="9144000" cy="5143500"/>
-          </a:xfrm>
-          <a:prstGeom prst="rect">
-            <a:avLst/>
-          </a:prstGeom>
-        </p:spPr>
-      </p:pic>
-      <p:sp>
-        <p:nvSpPr>
-          <p:cNvPr id="7" name="文本框 5"/>
-          <p:cNvSpPr>
-            <a:spLocks noChangeArrowheads="1"/>
-          </p:cNvSpPr>
-          <p:nvPr/>
-        </p:nvSpPr>
-        <p:spPr bwMode="auto">
-          <a:xfrm>
-            <a:off x="738894" y="345258"/>
-            <a:ext cx="6971073" cy="584775"/>
-          </a:xfrm>
-          <a:prstGeom prst="rect">
-            <a:avLst/>
-          </a:prstGeom>
-          <a:noFill/>
-          <a:ln>
-            <a:noFill/>
-          </a:ln>
-        </p:spPr>
-        <p:txBody>
-          <a:bodyPr wrap="square">
-            <a:spAutoFit/>
-          </a:bodyPr>
-          <a:lstStyle/>
-          <a:p>
-            <a:pPr>
-              <a:buFont typeface="Arial" panose="020B0604020202020204" pitchFamily="34" charset="0"/>
-              <a:buNone/>
-              <a:defRPr/>
-            </a:pPr>
-            <a:r>
-              <a:rPr lang="zh-CN" altLang="en-US" sz="3200" kern="0" dirty="0" smtClean="0">
-                <a:solidFill>
-                  <a:srgbClr val="156CBE"/>
-                </a:solidFill>
-                <a:latin typeface="微软雅黑" panose="020B0503020204020204" pitchFamily="34" charset="-122"/>
-                <a:ea typeface="微软雅黑" panose="020B0503020204020204" pitchFamily="34" charset="-122"/>
-              </a:rPr>
-              <a:t> </a:t>
-            </a:r>
-            <a:endParaRPr lang="zh-CN" altLang="en-US" sz="2400" b="1" dirty="0">
-              <a:solidFill>
-                <a:srgbClr val="156CBE"/>
-              </a:solidFill>
-              <a:latin typeface="方正兰亭超细黑简体" pitchFamily="2" charset="-122"/>
-              <a:ea typeface="方正兰亭超细黑简体" pitchFamily="2" charset="-122"/>
-              <a:sym typeface="方正兰亭超细黑简体" pitchFamily="2" charset="-122"/>
-            </a:endParaRPr>
-          </a:p>
-        </p:txBody>
-      </p:sp>
-      <p:sp>
-        <p:nvSpPr>
-          <p:cNvPr id="8" name="文本框 2"/>
-          <p:cNvSpPr>
-            <a:spLocks noChangeArrowheads="1"/>
-          </p:cNvSpPr>
-          <p:nvPr/>
-        </p:nvSpPr>
-        <p:spPr bwMode="auto">
-          <a:xfrm>
-            <a:off x="2070111" y="1888845"/>
-            <a:ext cx="5740039" cy="707886"/>
-          </a:xfrm>
-          <a:prstGeom prst="rect">
-            <a:avLst/>
-          </a:prstGeom>
-          <a:noFill/>
-          <a:ln>
-            <a:noFill/>
-          </a:ln>
-        </p:spPr>
-        <p:txBody>
-          <a:bodyPr wrap="square">
-            <a:spAutoFit/>
-          </a:bodyPr>
-          <a:lstStyle>
-            <a:lvl1pPr eaLnBrk="0" hangingPunct="0">
-              <a:defRPr>
-                <a:solidFill>
-                  <a:schemeClr val="tx1"/>
-                </a:solidFill>
-                <a:latin typeface="Arial" panose="020B0604020202020204" pitchFamily="34" charset="0"/>
-                <a:ea typeface="宋体" panose="02010600030101010101" pitchFamily="2" charset="-122"/>
-              </a:defRPr>
-            </a:lvl1pPr>
-            <a:lvl2pPr marL="742950" indent="-285750" eaLnBrk="0" hangingPunct="0">
-              <a:defRPr>
-                <a:solidFill>
-                  <a:schemeClr val="tx1"/>
-                </a:solidFill>
-                <a:latin typeface="Arial" panose="020B0604020202020204" pitchFamily="34" charset="0"/>
-                <a:ea typeface="宋体" panose="02010600030101010101" pitchFamily="2" charset="-122"/>
-              </a:defRPr>
-            </a:lvl2pPr>
-            <a:lvl3pPr marL="1143000" indent="-228600" eaLnBrk="0" hangingPunct="0">
-              <a:defRPr>
-                <a:solidFill>
-                  <a:schemeClr val="tx1"/>
-                </a:solidFill>
-                <a:latin typeface="Arial" panose="020B0604020202020204" pitchFamily="34" charset="0"/>
-                <a:ea typeface="宋体" panose="02010600030101010101" pitchFamily="2" charset="-122"/>
-              </a:defRPr>
-            </a:lvl3pPr>
-            <a:lvl4pPr marL="1600200" indent="-228600" eaLnBrk="0" hangingPunct="0">
-              <a:defRPr>
-                <a:solidFill>
-                  <a:schemeClr val="tx1"/>
-                </a:solidFill>
-                <a:latin typeface="Arial" panose="020B0604020202020204" pitchFamily="34" charset="0"/>
-                <a:ea typeface="宋体" panose="02010600030101010101" pitchFamily="2" charset="-122"/>
-              </a:defRPr>
-            </a:lvl4pPr>
-            <a:lvl5pPr marL="2057400" indent="-228600" eaLnBrk="0" hangingPunct="0">
-              <a:defRPr>
-                <a:solidFill>
-                  <a:schemeClr val="tx1"/>
-                </a:solidFill>
-                <a:latin typeface="Arial" panose="020B0604020202020204" pitchFamily="34" charset="0"/>
-                <a:ea typeface="宋体" panose="02010600030101010101" pitchFamily="2" charset="-122"/>
-              </a:defRPr>
-            </a:lvl5pPr>
-            <a:lvl6pPr marL="2514600" indent="-228600" eaLnBrk="0" fontAlgn="base" hangingPunct="0">
-              <a:spcBef>
-                <a:spcPct val="0"/>
-              </a:spcBef>
-              <a:spcAft>
-                <a:spcPct val="0"/>
-              </a:spcAft>
-              <a:buFont typeface="Arial" panose="020B0604020202020204" pitchFamily="34" charset="0"/>
-              <a:defRPr>
-                <a:solidFill>
-                  <a:schemeClr val="tx1"/>
-                </a:solidFill>
-                <a:latin typeface="Arial" panose="020B0604020202020204" pitchFamily="34" charset="0"/>
-                <a:ea typeface="宋体" panose="02010600030101010101" pitchFamily="2" charset="-122"/>
-              </a:defRPr>
-            </a:lvl6pPr>
-            <a:lvl7pPr marL="2971800" indent="-228600" eaLnBrk="0" fontAlgn="base" hangingPunct="0">
-              <a:spcBef>
-                <a:spcPct val="0"/>
-              </a:spcBef>
-              <a:spcAft>
-                <a:spcPct val="0"/>
-              </a:spcAft>
-              <a:buFont typeface="Arial" panose="020B0604020202020204" pitchFamily="34" charset="0"/>
-              <a:defRPr>
-                <a:solidFill>
-                  <a:schemeClr val="tx1"/>
-                </a:solidFill>
-                <a:latin typeface="Arial" panose="020B0604020202020204" pitchFamily="34" charset="0"/>
-                <a:ea typeface="宋体" panose="02010600030101010101" pitchFamily="2" charset="-122"/>
-              </a:defRPr>
-            </a:lvl7pPr>
-            <a:lvl8pPr marL="3429000" indent="-228600" eaLnBrk="0" fontAlgn="base" hangingPunct="0">
-              <a:spcBef>
-                <a:spcPct val="0"/>
-              </a:spcBef>
-              <a:spcAft>
-                <a:spcPct val="0"/>
-              </a:spcAft>
-              <a:buFont typeface="Arial" panose="020B0604020202020204" pitchFamily="34" charset="0"/>
-              <a:defRPr>
-                <a:solidFill>
-                  <a:schemeClr val="tx1"/>
-                </a:solidFill>
-                <a:latin typeface="Arial" panose="020B0604020202020204" pitchFamily="34" charset="0"/>
-                <a:ea typeface="宋体" panose="02010600030101010101" pitchFamily="2" charset="-122"/>
-              </a:defRPr>
-            </a:lvl8pPr>
-            <a:lvl9pPr marL="3886200" indent="-228600" eaLnBrk="0" fontAlgn="base" hangingPunct="0">
-              <a:spcBef>
-                <a:spcPct val="0"/>
-              </a:spcBef>
-              <a:spcAft>
-                <a:spcPct val="0"/>
-              </a:spcAft>
-              <a:buFont typeface="Arial" panose="020B0604020202020204" pitchFamily="34" charset="0"/>
-              <a:defRPr>
-                <a:solidFill>
-                  <a:schemeClr val="tx1"/>
-                </a:solidFill>
-                <a:latin typeface="Arial" panose="020B0604020202020204" pitchFamily="34" charset="0"/>
-                <a:ea typeface="宋体" panose="02010600030101010101" pitchFamily="2" charset="-122"/>
-              </a:defRPr>
-            </a:lvl9pPr>
-          </a:lstStyle>
-          <a:p>
-            <a:pPr>
-              <a:buFont typeface="Arial" panose="020B0604020202020204" pitchFamily="34" charset="0"/>
-              <a:buNone/>
-              <a:defRPr/>
-            </a:pPr>
-            <a:r>
-              <a:rPr lang="en-US" altLang="zh-CN" sz="4000" kern="0" dirty="0">
-                <a:solidFill>
-                  <a:srgbClr val="156CBE"/>
-                </a:solidFill>
-                <a:latin typeface="微软雅黑" panose="020B0503020204020204" pitchFamily="34" charset="-122"/>
-                <a:ea typeface="微软雅黑" panose="020B0503020204020204" pitchFamily="34" charset="-122"/>
-              </a:rPr>
-              <a:t>q.js</a:t>
-            </a:r>
-            <a:r>
-              <a:rPr lang="zh-CN" altLang="en-US" sz="4000" kern="0" dirty="0">
-                <a:solidFill>
-                  <a:srgbClr val="156CBE"/>
-                </a:solidFill>
-                <a:latin typeface="微软雅黑" panose="020B0503020204020204" pitchFamily="34" charset="-122"/>
-                <a:ea typeface="微软雅黑" panose="020B0503020204020204" pitchFamily="34" charset="-122"/>
-              </a:rPr>
-              <a:t>中的坑以及解决方案</a:t>
-            </a:r>
-            <a:endParaRPr lang="zh-CN" altLang="en-US" sz="4000" b="1" dirty="0">
-              <a:solidFill>
-                <a:srgbClr val="156CBE"/>
-              </a:solidFill>
-              <a:latin typeface="方正兰亭超细黑简体" pitchFamily="2" charset="-122"/>
-              <a:ea typeface="方正兰亭超细黑简体" pitchFamily="2" charset="-122"/>
-              <a:sym typeface="方正兰亭超细黑简体" pitchFamily="2" charset="-122"/>
-            </a:endParaRPr>
-          </a:p>
-        </p:txBody>
-      </p:sp>
-      <p:sp>
-        <p:nvSpPr>
-          <p:cNvPr id="2" name="文本框 1"/>
-          <p:cNvSpPr txBox="1"/>
-          <p:nvPr/>
-        </p:nvSpPr>
-        <p:spPr>
-          <a:xfrm>
-            <a:off x="738894" y="471502"/>
-            <a:ext cx="1592359" cy="461665"/>
-          </a:xfrm>
-          <a:prstGeom prst="rect">
-            <a:avLst/>
-          </a:prstGeom>
-          <a:noFill/>
-        </p:spPr>
-        <p:txBody>
-          <a:bodyPr wrap="none" rtlCol="0">
-            <a:spAutoFit/>
-          </a:bodyPr>
-          <a:lstStyle/>
-          <a:p>
-            <a:r>
-              <a:rPr lang="en-US" altLang="zh-CN" sz="2400" b="1" dirty="0">
-                <a:solidFill>
-                  <a:srgbClr val="000000"/>
-                </a:solidFill>
-                <a:latin typeface="微软雅黑" panose="020B0503020204020204" pitchFamily="34" charset="-122"/>
-                <a:ea typeface="微软雅黑" panose="020B0503020204020204" pitchFamily="34" charset="-122"/>
-                <a:sym typeface="方正兰亭超细黑简体" pitchFamily="2" charset="-122"/>
-              </a:rPr>
-              <a:t>PART </a:t>
-            </a:r>
-            <a:r>
-              <a:rPr lang="en-US" altLang="zh-CN" sz="2400" b="1" dirty="0" smtClean="0">
-                <a:solidFill>
-                  <a:srgbClr val="000000"/>
-                </a:solidFill>
-                <a:latin typeface="微软雅黑" panose="020B0503020204020204" pitchFamily="34" charset="-122"/>
-                <a:ea typeface="微软雅黑" panose="020B0503020204020204" pitchFamily="34" charset="-122"/>
-                <a:sym typeface="方正兰亭超细黑简体" pitchFamily="2" charset="-122"/>
-              </a:rPr>
-              <a:t>SIX</a:t>
-            </a:r>
-            <a:endParaRPr lang="en-US" altLang="zh-CN" sz="2400" b="1" dirty="0">
-              <a:solidFill>
-                <a:srgbClr val="000000"/>
-              </a:solidFill>
-              <a:latin typeface="微软雅黑" panose="020B0503020204020204" pitchFamily="34" charset="-122"/>
-              <a:ea typeface="微软雅黑" panose="020B0503020204020204" pitchFamily="34" charset="-122"/>
-              <a:sym typeface="方正兰亭超细黑简体" pitchFamily="2" charset="-122"/>
-            </a:endParaRPr>
-          </a:p>
-        </p:txBody>
-      </p:sp>
-    </p:spTree>
-  </p:cSld>
-  <p:clrMapOvr>
-    <a:masterClrMapping/>
-  </p:clrMapOvr>
-  <p:timing>
-    <p:tnLst>
-      <p:par>
-        <p:cTn id="1" dur="indefinite" restart="never" nodeType="tmRoot"/>
-      </p:par>
-    </p:tnLst>
-  </p:timing>
-</p:sld>
-</file>
-
-<file path=ppt/slides/slide18.xml><?xml version="1.0" encoding="utf-8"?>
 <p:sld xmlns:a="http://schemas.openxmlformats.org/drawingml/2006/main" xmlns:r="http://schemas.openxmlformats.org/officeDocument/2006/relationships" xmlns:p="http://schemas.openxmlformats.org/presentationml/2006/main">
   <p:cSld>
     <p:spTree>
@@ -8449,6 +7777,351 @@
 </p:sld>
 </file>
 
+<file path=ppt/slides/slide18.xml><?xml version="1.0" encoding="utf-8"?>
+<p:sld xmlns:a="http://schemas.openxmlformats.org/drawingml/2006/main" xmlns:r="http://schemas.openxmlformats.org/officeDocument/2006/relationships" xmlns:p="http://schemas.openxmlformats.org/presentationml/2006/main">
+  <p:cSld>
+    <p:spTree>
+      <p:nvGrpSpPr>
+        <p:cNvPr id="1" name=""/>
+        <p:cNvGrpSpPr/>
+        <p:nvPr/>
+      </p:nvGrpSpPr>
+      <p:grpSpPr>
+        <a:xfrm>
+          <a:off x="0" y="0"/>
+          <a:ext cx="0" cy="0"/>
+          <a:chOff x="0" y="0"/>
+          <a:chExt cx="0" cy="0"/>
+        </a:xfrm>
+      </p:grpSpPr>
+      <p:pic>
+        <p:nvPicPr>
+          <p:cNvPr id="6" name="图片 5" descr="唯医培训PPT-内容页.jpg"/>
+          <p:cNvPicPr>
+            <a:picLocks noChangeAspect="1"/>
+          </p:cNvPicPr>
+          <p:nvPr/>
+        </p:nvPicPr>
+        <p:blipFill>
+          <a:blip r:embed="rId1">
+            <a:extLst>
+              <a:ext uri="{28A0092B-C50C-407E-A947-70E740481C1C}">
+                <a14:useLocalDpi xmlns:a14="http://schemas.microsoft.com/office/drawing/2010/main" val="0"/>
+              </a:ext>
+            </a:extLst>
+          </a:blip>
+          <a:stretch>
+            <a:fillRect/>
+          </a:stretch>
+        </p:blipFill>
+        <p:spPr>
+          <a:xfrm>
+            <a:off x="0" y="0"/>
+            <a:ext cx="9144000" cy="5143500"/>
+          </a:xfrm>
+          <a:prstGeom prst="rect">
+            <a:avLst/>
+          </a:prstGeom>
+        </p:spPr>
+      </p:pic>
+      <p:sp>
+        <p:nvSpPr>
+          <p:cNvPr id="7" name="文本框 5"/>
+          <p:cNvSpPr>
+            <a:spLocks noChangeArrowheads="1"/>
+          </p:cNvSpPr>
+          <p:nvPr/>
+        </p:nvSpPr>
+        <p:spPr bwMode="auto">
+          <a:xfrm>
+            <a:off x="738894" y="345258"/>
+            <a:ext cx="6971073" cy="584775"/>
+          </a:xfrm>
+          <a:prstGeom prst="rect">
+            <a:avLst/>
+          </a:prstGeom>
+          <a:noFill/>
+          <a:ln>
+            <a:noFill/>
+          </a:ln>
+        </p:spPr>
+        <p:txBody>
+          <a:bodyPr wrap="square">
+            <a:spAutoFit/>
+          </a:bodyPr>
+          <a:lstStyle/>
+          <a:p>
+            <a:pPr>
+              <a:buFont typeface="Arial" panose="020B0604020202020204" pitchFamily="34" charset="0"/>
+              <a:buNone/>
+              <a:defRPr/>
+            </a:pPr>
+            <a:r>
+              <a:rPr lang="zh-CN" altLang="en-US" sz="3200" kern="0" dirty="0" smtClean="0">
+                <a:solidFill>
+                  <a:srgbClr val="156CBE"/>
+                </a:solidFill>
+                <a:latin typeface="微软雅黑" panose="020B0503020204020204" pitchFamily="34" charset="-122"/>
+                <a:ea typeface="微软雅黑" panose="020B0503020204020204" pitchFamily="34" charset="-122"/>
+              </a:rPr>
+              <a:t> </a:t>
+            </a:r>
+            <a:endParaRPr lang="zh-CN" altLang="en-US" sz="2400" b="1" dirty="0">
+              <a:solidFill>
+                <a:srgbClr val="156CBE"/>
+              </a:solidFill>
+              <a:latin typeface="方正兰亭超细黑简体" pitchFamily="2" charset="-122"/>
+              <a:ea typeface="方正兰亭超细黑简体" pitchFamily="2" charset="-122"/>
+              <a:sym typeface="方正兰亭超细黑简体" pitchFamily="2" charset="-122"/>
+            </a:endParaRPr>
+          </a:p>
+        </p:txBody>
+      </p:sp>
+      <p:sp>
+        <p:nvSpPr>
+          <p:cNvPr id="8" name="文本框 2"/>
+          <p:cNvSpPr>
+            <a:spLocks noChangeArrowheads="1"/>
+          </p:cNvSpPr>
+          <p:nvPr/>
+        </p:nvSpPr>
+        <p:spPr bwMode="auto">
+          <a:xfrm>
+            <a:off x="889233" y="1888845"/>
+            <a:ext cx="7365534" cy="706755"/>
+          </a:xfrm>
+          <a:prstGeom prst="rect">
+            <a:avLst/>
+          </a:prstGeom>
+          <a:noFill/>
+          <a:ln>
+            <a:noFill/>
+          </a:ln>
+        </p:spPr>
+        <p:txBody>
+          <a:bodyPr wrap="square">
+            <a:spAutoFit/>
+          </a:bodyPr>
+          <a:lstStyle>
+            <a:lvl1pPr eaLnBrk="0" hangingPunct="0">
+              <a:defRPr>
+                <a:solidFill>
+                  <a:schemeClr val="tx1"/>
+                </a:solidFill>
+                <a:latin typeface="Arial" panose="020B0604020202020204" pitchFamily="34" charset="0"/>
+                <a:ea typeface="宋体" panose="02010600030101010101" pitchFamily="2" charset="-122"/>
+              </a:defRPr>
+            </a:lvl1pPr>
+            <a:lvl2pPr marL="742950" indent="-285750" eaLnBrk="0" hangingPunct="0">
+              <a:defRPr>
+                <a:solidFill>
+                  <a:schemeClr val="tx1"/>
+                </a:solidFill>
+                <a:latin typeface="Arial" panose="020B0604020202020204" pitchFamily="34" charset="0"/>
+                <a:ea typeface="宋体" panose="02010600030101010101" pitchFamily="2" charset="-122"/>
+              </a:defRPr>
+            </a:lvl2pPr>
+            <a:lvl3pPr marL="1143000" indent="-228600" eaLnBrk="0" hangingPunct="0">
+              <a:defRPr>
+                <a:solidFill>
+                  <a:schemeClr val="tx1"/>
+                </a:solidFill>
+                <a:latin typeface="Arial" panose="020B0604020202020204" pitchFamily="34" charset="0"/>
+                <a:ea typeface="宋体" panose="02010600030101010101" pitchFamily="2" charset="-122"/>
+              </a:defRPr>
+            </a:lvl3pPr>
+            <a:lvl4pPr marL="1600200" indent="-228600" eaLnBrk="0" hangingPunct="0">
+              <a:defRPr>
+                <a:solidFill>
+                  <a:schemeClr val="tx1"/>
+                </a:solidFill>
+                <a:latin typeface="Arial" panose="020B0604020202020204" pitchFamily="34" charset="0"/>
+                <a:ea typeface="宋体" panose="02010600030101010101" pitchFamily="2" charset="-122"/>
+              </a:defRPr>
+            </a:lvl4pPr>
+            <a:lvl5pPr marL="2057400" indent="-228600" eaLnBrk="0" hangingPunct="0">
+              <a:defRPr>
+                <a:solidFill>
+                  <a:schemeClr val="tx1"/>
+                </a:solidFill>
+                <a:latin typeface="Arial" panose="020B0604020202020204" pitchFamily="34" charset="0"/>
+                <a:ea typeface="宋体" panose="02010600030101010101" pitchFamily="2" charset="-122"/>
+              </a:defRPr>
+            </a:lvl5pPr>
+            <a:lvl6pPr marL="2514600" indent="-228600" eaLnBrk="0" fontAlgn="base" hangingPunct="0">
+              <a:spcBef>
+                <a:spcPct val="0"/>
+              </a:spcBef>
+              <a:spcAft>
+                <a:spcPct val="0"/>
+              </a:spcAft>
+              <a:buFont typeface="Arial" panose="020B0604020202020204" pitchFamily="34" charset="0"/>
+              <a:defRPr>
+                <a:solidFill>
+                  <a:schemeClr val="tx1"/>
+                </a:solidFill>
+                <a:latin typeface="Arial" panose="020B0604020202020204" pitchFamily="34" charset="0"/>
+                <a:ea typeface="宋体" panose="02010600030101010101" pitchFamily="2" charset="-122"/>
+              </a:defRPr>
+            </a:lvl6pPr>
+            <a:lvl7pPr marL="2971800" indent="-228600" eaLnBrk="0" fontAlgn="base" hangingPunct="0">
+              <a:spcBef>
+                <a:spcPct val="0"/>
+              </a:spcBef>
+              <a:spcAft>
+                <a:spcPct val="0"/>
+              </a:spcAft>
+              <a:buFont typeface="Arial" panose="020B0604020202020204" pitchFamily="34" charset="0"/>
+              <a:defRPr>
+                <a:solidFill>
+                  <a:schemeClr val="tx1"/>
+                </a:solidFill>
+                <a:latin typeface="Arial" panose="020B0604020202020204" pitchFamily="34" charset="0"/>
+                <a:ea typeface="宋体" panose="02010600030101010101" pitchFamily="2" charset="-122"/>
+              </a:defRPr>
+            </a:lvl7pPr>
+            <a:lvl8pPr marL="3429000" indent="-228600" eaLnBrk="0" fontAlgn="base" hangingPunct="0">
+              <a:spcBef>
+                <a:spcPct val="0"/>
+              </a:spcBef>
+              <a:spcAft>
+                <a:spcPct val="0"/>
+              </a:spcAft>
+              <a:buFont typeface="Arial" panose="020B0604020202020204" pitchFamily="34" charset="0"/>
+              <a:defRPr>
+                <a:solidFill>
+                  <a:schemeClr val="tx1"/>
+                </a:solidFill>
+                <a:latin typeface="Arial" panose="020B0604020202020204" pitchFamily="34" charset="0"/>
+                <a:ea typeface="宋体" panose="02010600030101010101" pitchFamily="2" charset="-122"/>
+              </a:defRPr>
+            </a:lvl8pPr>
+            <a:lvl9pPr marL="3886200" indent="-228600" eaLnBrk="0" fontAlgn="base" hangingPunct="0">
+              <a:spcBef>
+                <a:spcPct val="0"/>
+              </a:spcBef>
+              <a:spcAft>
+                <a:spcPct val="0"/>
+              </a:spcAft>
+              <a:buFont typeface="Arial" panose="020B0604020202020204" pitchFamily="34" charset="0"/>
+              <a:defRPr>
+                <a:solidFill>
+                  <a:schemeClr val="tx1"/>
+                </a:solidFill>
+                <a:latin typeface="Arial" panose="020B0604020202020204" pitchFamily="34" charset="0"/>
+                <a:ea typeface="宋体" panose="02010600030101010101" pitchFamily="2" charset="-122"/>
+              </a:defRPr>
+            </a:lvl9pPr>
+          </a:lstStyle>
+          <a:p>
+            <a:pPr>
+              <a:buFont typeface="Arial" panose="020B0604020202020204" pitchFamily="34" charset="0"/>
+              <a:buNone/>
+              <a:defRPr/>
+            </a:pPr>
+            <a:r>
+              <a:rPr lang="en-US" altLang="zh-CN" sz="4000" b="1" dirty="0">
+                <a:solidFill>
+                  <a:srgbClr val="156CBE"/>
+                </a:solidFill>
+                <a:latin typeface="方正兰亭超细黑简体" pitchFamily="2" charset="-122"/>
+                <a:ea typeface="方正兰亭超细黑简体" pitchFamily="2" charset="-122"/>
+                <a:sym typeface="方正兰亭超细黑简体" pitchFamily="2" charset="-122"/>
+              </a:rPr>
+              <a:t>webpack </a:t>
+            </a:r>
+            <a:r>
+              <a:rPr lang="zh-CN" altLang="en-US" sz="4000" b="1" dirty="0">
+                <a:solidFill>
+                  <a:srgbClr val="156CBE"/>
+                </a:solidFill>
+                <a:latin typeface="方正兰亭超细黑简体" pitchFamily="2" charset="-122"/>
+                <a:ea typeface="方正兰亭超细黑简体" pitchFamily="2" charset="-122"/>
+                <a:sym typeface="方正兰亭超细黑简体" pitchFamily="2" charset="-122"/>
+              </a:rPr>
+              <a:t>配置中的一些注意事项</a:t>
+            </a:r>
+            <a:endParaRPr lang="zh-CN" altLang="en-US" sz="4000" b="1" dirty="0">
+              <a:solidFill>
+                <a:srgbClr val="156CBE"/>
+              </a:solidFill>
+              <a:latin typeface="方正兰亭超细黑简体" pitchFamily="2" charset="-122"/>
+              <a:ea typeface="方正兰亭超细黑简体" pitchFamily="2" charset="-122"/>
+              <a:sym typeface="方正兰亭超细黑简体" pitchFamily="2" charset="-122"/>
+            </a:endParaRPr>
+          </a:p>
+        </p:txBody>
+      </p:sp>
+      <p:sp>
+        <p:nvSpPr>
+          <p:cNvPr id="2" name="文本框 1"/>
+          <p:cNvSpPr txBox="1"/>
+          <p:nvPr/>
+        </p:nvSpPr>
+        <p:spPr>
+          <a:xfrm>
+            <a:off x="738894" y="471502"/>
+            <a:ext cx="2109873" cy="461665"/>
+          </a:xfrm>
+          <a:prstGeom prst="rect">
+            <a:avLst/>
+          </a:prstGeom>
+          <a:noFill/>
+        </p:spPr>
+        <p:txBody>
+          <a:bodyPr wrap="none" rtlCol="0">
+            <a:spAutoFit/>
+          </a:bodyPr>
+          <a:lstStyle/>
+          <a:p>
+            <a:r>
+              <a:rPr lang="en-US" altLang="zh-CN" sz="2400" b="1" dirty="0">
+                <a:solidFill>
+                  <a:srgbClr val="000000"/>
+                </a:solidFill>
+                <a:latin typeface="微软雅黑" panose="020B0503020204020204" pitchFamily="34" charset="-122"/>
+                <a:ea typeface="微软雅黑" panose="020B0503020204020204" pitchFamily="34" charset="-122"/>
+                <a:sym typeface="方正兰亭超细黑简体" pitchFamily="2" charset="-122"/>
+              </a:rPr>
+              <a:t>PART </a:t>
+            </a:r>
+            <a:r>
+              <a:rPr lang="en-US" altLang="zh-CN" sz="2400" b="1" dirty="0" smtClean="0">
+                <a:solidFill>
+                  <a:srgbClr val="000000"/>
+                </a:solidFill>
+                <a:latin typeface="微软雅黑" panose="020B0503020204020204" pitchFamily="34" charset="-122"/>
+                <a:ea typeface="微软雅黑" panose="020B0503020204020204" pitchFamily="34" charset="-122"/>
+                <a:sym typeface="方正兰亭超细黑简体" pitchFamily="2" charset="-122"/>
+              </a:rPr>
+              <a:t>SEVEN</a:t>
+            </a:r>
+            <a:endParaRPr lang="en-US" altLang="zh-CN" sz="2400" b="1" dirty="0">
+              <a:solidFill>
+                <a:srgbClr val="000000"/>
+              </a:solidFill>
+              <a:latin typeface="微软雅黑" panose="020B0503020204020204" pitchFamily="34" charset="-122"/>
+              <a:ea typeface="微软雅黑" panose="020B0503020204020204" pitchFamily="34" charset="-122"/>
+              <a:sym typeface="方正兰亭超细黑简体" pitchFamily="2" charset="-122"/>
+            </a:endParaRPr>
+          </a:p>
+        </p:txBody>
+      </p:sp>
+    </p:spTree>
+  </p:cSld>
+  <p:clrMapOvr>
+    <a:masterClrMapping/>
+  </p:clrMapOvr>
+  <p:timing>
+    <p:tnLst>
+      <p:par>
+        <p:cTn id="1" dur="indefinite" restart="never" nodeType="tmRoot"/>
+      </p:par>
+    </p:tnLst>
+  </p:timing>
+</p:sld>
+</file>
+
 <file path=ppt/slides/slide19.xml><?xml version="1.0" encoding="utf-8"?>
 <p:sld xmlns:a="http://schemas.openxmlformats.org/drawingml/2006/main" xmlns:r="http://schemas.openxmlformats.org/officeDocument/2006/relationships" xmlns:p="http://schemas.openxmlformats.org/presentationml/2006/main">
   <p:cSld>
@@ -8506,8 +8179,8 @@
         </p:nvSpPr>
         <p:spPr bwMode="auto">
           <a:xfrm>
-            <a:off x="738894" y="440505"/>
-            <a:ext cx="4344834" cy="461665"/>
+            <a:off x="738893" y="440505"/>
+            <a:ext cx="5754185" cy="461665"/>
           </a:xfrm>
           <a:prstGeom prst="rect">
             <a:avLst/>
@@ -8529,24 +8202,14 @@
               <a:defRPr/>
             </a:pPr>
             <a:r>
-              <a:rPr lang="en-US" altLang="zh-CN" sz="2400" kern="0" dirty="0">
+              <a:rPr lang="zh-CN" altLang="en-US" sz="2400" kern="0" dirty="0">
                 <a:solidFill>
                   <a:srgbClr val="156CBE"/>
                 </a:solidFill>
                 <a:latin typeface="微软雅黑" panose="020B0503020204020204" pitchFamily="34" charset="-122"/>
                 <a:ea typeface="微软雅黑" panose="020B0503020204020204" pitchFamily="34" charset="-122"/>
               </a:rPr>
-              <a:t>q.js</a:t>
-            </a:r>
-            <a:r>
-              <a:rPr lang="zh-CN" altLang="en-US" sz="2400" kern="0" dirty="0">
-                <a:solidFill>
-                  <a:srgbClr val="156CBE"/>
-                </a:solidFill>
-                <a:latin typeface="微软雅黑" panose="020B0503020204020204" pitchFamily="34" charset="-122"/>
-                <a:ea typeface="微软雅黑" panose="020B0503020204020204" pitchFamily="34" charset="-122"/>
-              </a:rPr>
-              <a:t>中的坑以及解决方案</a:t>
+              <a:t>项目中的其他问题以及解决方案</a:t>
             </a:r>
             <a:endParaRPr lang="zh-CN" altLang="en-US" sz="2400" b="1" dirty="0">
               <a:solidFill>
@@ -8568,7 +8231,7 @@
         <p:spPr>
           <a:xfrm>
             <a:off x="169333" y="934640"/>
-            <a:ext cx="8974667" cy="369332"/>
+            <a:ext cx="8974667" cy="1198880"/>
           </a:xfrm>
           <a:prstGeom prst="rect">
             <a:avLst/>
@@ -8581,41 +8244,63 @@
           <a:lstStyle/>
           <a:p>
             <a:r>
+              <a:rPr lang="en-US" altLang="zh-CN" dirty="0" smtClean="0"/>
+              <a:t>1</a:t>
+            </a:r>
+            <a:r>
               <a:rPr lang="zh-CN" altLang="en-US" dirty="0"/>
-              <a:t>揭晓</a:t>
-            </a:r>
-            <a:r>
-              <a:rPr lang="zh-CN" altLang="en-US" dirty="0" smtClean="0"/>
-              <a:t>答案的时刻：</a:t>
+              <a:t>、创建、编写配置文件时，注意，不要写 </a:t>
+            </a:r>
+            <a:r>
+              <a:rPr lang="en-US" altLang="zh-CN" dirty="0"/>
+              <a:t>es6 </a:t>
+            </a:r>
+            <a:r>
+              <a:rPr lang="zh-CN" altLang="en-US" dirty="0"/>
+              <a:t>中 </a:t>
+            </a:r>
+            <a:r>
+              <a:rPr lang="en-US" altLang="zh-CN" dirty="0"/>
+              <a:t>v8 </a:t>
+            </a:r>
+            <a:r>
+              <a:rPr lang="zh-CN" altLang="en-US" dirty="0"/>
+              <a:t>引擎不支持的一些写法，因为配置文件是在 </a:t>
+            </a:r>
+            <a:r>
+              <a:rPr lang="en-US" altLang="zh-CN" dirty="0"/>
+              <a:t>node </a:t>
+            </a:r>
+            <a:r>
+              <a:rPr lang="zh-CN" altLang="en-US" dirty="0"/>
+              <a:t>中运行的，比如，不支持 </a:t>
+            </a:r>
+            <a:r>
+              <a:rPr lang="en-US" altLang="zh-CN" dirty="0"/>
+              <a:t>import</a:t>
+            </a:r>
+            <a:r>
+              <a:rPr lang="zh-CN" altLang="en-US" dirty="0"/>
+              <a:t>；</a:t>
             </a:r>
             <a:endParaRPr lang="zh-CN" altLang="en-US" dirty="0"/>
           </a:p>
-        </p:txBody>
-      </p:sp>
-      <p:pic>
-        <p:nvPicPr>
-          <p:cNvPr id="3" name="图片 2"/>
-          <p:cNvPicPr>
-            <a:picLocks noChangeAspect="1"/>
-          </p:cNvPicPr>
-          <p:nvPr/>
-        </p:nvPicPr>
-        <p:blipFill>
-          <a:blip r:embed="rId2"/>
-          <a:stretch>
-            <a:fillRect/>
-          </a:stretch>
-        </p:blipFill>
-        <p:spPr>
-          <a:xfrm>
-            <a:off x="2108249" y="902170"/>
-            <a:ext cx="6087795" cy="3948552"/>
-          </a:xfrm>
-          <a:prstGeom prst="rect">
-            <a:avLst/>
-          </a:prstGeom>
-        </p:spPr>
-      </p:pic>
+          <a:p>
+            <a:endParaRPr lang="zh-CN" altLang="en-US" dirty="0"/>
+          </a:p>
+          <a:p>
+            <a:r>
+              <a:rPr lang="en-US" altLang="zh-CN" dirty="0"/>
+              <a:t>2</a:t>
+            </a:r>
+            <a:r>
+              <a:rPr lang="zh-CN" altLang="en-US" dirty="0"/>
+              <a:t>、</a:t>
+            </a:r>
+            <a:endParaRPr lang="zh-CN" altLang="en-US" dirty="0"/>
+          </a:p>
+        </p:txBody>
+      </p:sp>
     </p:spTree>
   </p:cSld>
   <p:clrMapOvr>
@@ -9388,8 +9073,8 @@
         </p:nvSpPr>
         <p:spPr bwMode="auto">
           <a:xfrm>
-            <a:off x="738894" y="440505"/>
-            <a:ext cx="4344834" cy="461665"/>
+            <a:off x="738893" y="440505"/>
+            <a:ext cx="5754185" cy="461665"/>
           </a:xfrm>
           <a:prstGeom prst="rect">
             <a:avLst/>
@@ -9411,24 +9096,14 @@
               <a:defRPr/>
             </a:pPr>
             <a:r>
-              <a:rPr lang="en-US" altLang="zh-CN" sz="2400" kern="0" dirty="0">
+              <a:rPr lang="zh-CN" altLang="en-US" sz="2400" kern="0" dirty="0">
                 <a:solidFill>
                   <a:srgbClr val="156CBE"/>
                 </a:solidFill>
                 <a:latin typeface="微软雅黑" panose="020B0503020204020204" pitchFamily="34" charset="-122"/>
                 <a:ea typeface="微软雅黑" panose="020B0503020204020204" pitchFamily="34" charset="-122"/>
               </a:rPr>
-              <a:t>q.js</a:t>
-            </a:r>
-            <a:r>
-              <a:rPr lang="zh-CN" altLang="en-US" sz="2400" kern="0" dirty="0">
-                <a:solidFill>
-                  <a:srgbClr val="156CBE"/>
-                </a:solidFill>
-                <a:latin typeface="微软雅黑" panose="020B0503020204020204" pitchFamily="34" charset="-122"/>
-                <a:ea typeface="微软雅黑" panose="020B0503020204020204" pitchFamily="34" charset="-122"/>
-              </a:rPr>
-              <a:t>中的坑以及解决方案</a:t>
+              <a:t>项目中的其他问题以及解决方案</a:t>
             </a:r>
             <a:endParaRPr lang="zh-CN" altLang="en-US" sz="2400" b="1" dirty="0">
               <a:solidFill>
@@ -9449,8 +9124,8 @@
         </p:nvSpPr>
         <p:spPr>
           <a:xfrm>
-            <a:off x="169333" y="934640"/>
-            <a:ext cx="8974667" cy="2585323"/>
+            <a:off x="169333" y="1397555"/>
+            <a:ext cx="8974667" cy="1076325"/>
           </a:xfrm>
           <a:prstGeom prst="rect">
             <a:avLst/>
@@ -9463,209 +9138,73 @@
           <a:lstStyle/>
           <a:p>
             <a:r>
-              <a:rPr lang="en-US" altLang="zh-CN" dirty="0" smtClean="0"/>
-              <a:t>	1</a:t>
-            </a:r>
-            <a:r>
               <a:rPr lang="zh-CN" altLang="en-US" dirty="0"/>
-              <a:t>、上传资料，如何解决的返回</a:t>
-            </a:r>
-            <a:r>
-              <a:rPr lang="zh-CN" altLang="en-US" dirty="0" smtClean="0"/>
-              <a:t>；</a:t>
-            </a:r>
-            <a:endParaRPr lang="en-US" altLang="zh-CN" dirty="0" smtClean="0"/>
-          </a:p>
-          <a:p>
-            <a:r>
-              <a:rPr lang="en-US" altLang="zh-CN" dirty="0"/>
+              <a:t>推荐链接：</a:t>
+            </a:r>
+            <a:endParaRPr lang="zh-CN" altLang="en-US" dirty="0"/>
+          </a:p>
+          <a:p>
+            <a:endParaRPr lang="zh-CN" altLang="en-US" dirty="0"/>
+          </a:p>
+          <a:p>
+            <a:r>
+              <a:rPr lang="en-US" altLang="zh-CN" sz="1400" dirty="0"/>
               <a:t>	</a:t>
             </a:r>
             <a:r>
-              <a:rPr lang="en-US" altLang="zh-CN" dirty="0" smtClean="0"/>
-              <a:t>2</a:t>
-            </a:r>
-            <a:r>
-              <a:rPr lang="zh-CN" altLang="en-US" dirty="0" smtClean="0"/>
-              <a:t>、多个</a:t>
-            </a:r>
-            <a:r>
-              <a:rPr lang="en-US" altLang="zh-CN" dirty="0" smtClean="0"/>
-              <a:t>Q.reg(“a”),</a:t>
-            </a:r>
-            <a:r>
-              <a:rPr lang="zh-CN" altLang="en-US" dirty="0" smtClean="0"/>
-              <a:t>多个</a:t>
-            </a:r>
-            <a:r>
-              <a:rPr lang="en-US" altLang="zh-CN" dirty="0" smtClean="0"/>
-              <a:t>a</a:t>
-            </a:r>
-            <a:r>
-              <a:rPr lang="zh-CN" altLang="en-US" dirty="0" smtClean="0"/>
-              <a:t>重名时，执行最后一个。比如上传资料模块当时遇到的。</a:t>
-            </a:r>
-            <a:endParaRPr lang="zh-CN" altLang="en-US" dirty="0"/>
-          </a:p>
-          <a:p>
-            <a:r>
-              <a:rPr lang="en-US" altLang="zh-CN" dirty="0" smtClean="0"/>
-              <a:t>	3</a:t>
-            </a:r>
-            <a:r>
-              <a:rPr lang="zh-CN" altLang="en-US" dirty="0" smtClean="0"/>
-              <a:t>、</a:t>
-            </a:r>
-            <a:r>
-              <a:rPr lang="en-US" altLang="zh-CN" dirty="0"/>
-              <a:t>q.js </a:t>
-            </a:r>
-            <a:r>
-              <a:rPr lang="en-US" altLang="zh-CN" dirty="0" err="1" smtClean="0"/>
-              <a:t>reg</a:t>
-            </a:r>
-            <a:r>
-              <a:rPr lang="en-US" altLang="zh-CN" dirty="0" smtClean="0"/>
-              <a:t>(“”) </a:t>
-            </a:r>
-            <a:r>
-              <a:rPr lang="zh-CN" altLang="en-US" dirty="0" smtClean="0"/>
-              <a:t>和 </a:t>
-            </a:r>
-            <a:r>
-              <a:rPr lang="en-US" altLang="zh-CN" dirty="0" err="1" smtClean="0"/>
-              <a:t>init</a:t>
-            </a:r>
-            <a:r>
-              <a:rPr lang="zh-CN" altLang="en-US" dirty="0" smtClean="0"/>
-              <a:t>（</a:t>
-            </a:r>
-            <a:r>
-              <a:rPr lang="en-US" altLang="zh-CN" dirty="0" smtClean="0"/>
-              <a:t>{</a:t>
-            </a:r>
-            <a:r>
-              <a:rPr lang="en-US" altLang="zh-CN" dirty="0" err="1" smtClean="0"/>
-              <a:t>index:’index</a:t>
-            </a:r>
-            <a:r>
-              <a:rPr lang="en-US" altLang="zh-CN" smtClean="0"/>
-              <a:t>’}</a:t>
-            </a:r>
-            <a:r>
-              <a:rPr lang="zh-CN" altLang="en-US" dirty="0" smtClean="0"/>
-              <a:t>）写</a:t>
-            </a:r>
-            <a:r>
-              <a:rPr lang="zh-CN" altLang="en-US" dirty="0"/>
-              <a:t>的时候</a:t>
-            </a:r>
-            <a:r>
-              <a:rPr lang="zh-CN" altLang="en-US" dirty="0" smtClean="0"/>
-              <a:t>，注意先后顺序，</a:t>
-            </a:r>
-            <a:r>
-              <a:rPr lang="en-US" altLang="zh-CN" dirty="0" smtClean="0"/>
-              <a:t>index</a:t>
-            </a:r>
-            <a:r>
-              <a:rPr lang="zh-CN" altLang="en-US" dirty="0" smtClean="0"/>
-              <a:t>后面为初始化路由，</a:t>
-            </a:r>
-            <a:r>
-              <a:rPr lang="en-US" altLang="zh-CN" dirty="0" err="1" smtClean="0"/>
-              <a:t>reg</a:t>
-            </a:r>
-            <a:r>
-              <a:rPr lang="en-US" altLang="zh-CN" dirty="0" smtClean="0"/>
-              <a:t>(“index”)</a:t>
-            </a:r>
-            <a:r>
-              <a:rPr lang="zh-CN" altLang="en-US" dirty="0" smtClean="0"/>
-              <a:t>应该写在</a:t>
-            </a:r>
-            <a:r>
-              <a:rPr lang="en-US" altLang="zh-CN" dirty="0" err="1" smtClean="0"/>
-              <a:t>init</a:t>
-            </a:r>
-            <a:r>
-              <a:rPr lang="zh-CN" altLang="en-US" dirty="0" smtClean="0"/>
-              <a:t>前面，不然会报错。</a:t>
-            </a:r>
-            <a:endParaRPr lang="en-US" altLang="zh-CN" dirty="0" smtClean="0"/>
-          </a:p>
-          <a:p>
-            <a:r>
-              <a:rPr lang="en-US" altLang="zh-CN" dirty="0"/>
+              <a:rPr lang="en-US" altLang="zh-CN" sz="1400" dirty="0"/>
+              <a:t>1.webpack</a:t>
+            </a:r>
+            <a:r>
+              <a:rPr lang="zh-CN" altLang="en-US" sz="1400" dirty="0"/>
+              <a:t>打包实战上（</a:t>
+            </a:r>
+            <a:r>
+              <a:rPr lang="en-US" altLang="zh-CN" sz="1400" dirty="0">
+                <a:sym typeface="+mn-ea"/>
+              </a:rPr>
+              <a:t>http://mp.weixin.qq.com/s/_Xj00nSug-23IucaJRUTGA</a:t>
+            </a:r>
+            <a:r>
+              <a:rPr lang="zh-CN" altLang="en-US" sz="1400" dirty="0"/>
+              <a:t>）</a:t>
+            </a:r>
+            <a:r>
+              <a:rPr lang="en-US" altLang="zh-CN" sz="1400" dirty="0"/>
               <a:t>	</a:t>
             </a:r>
-            <a:r>
-              <a:rPr lang="en-US" altLang="zh-CN" dirty="0" smtClean="0"/>
-              <a:t>4</a:t>
-            </a:r>
-            <a:r>
-              <a:rPr lang="zh-CN" altLang="en-US" dirty="0" smtClean="0"/>
-              <a:t>、</a:t>
-            </a:r>
-            <a:r>
-              <a:rPr lang="zh-CN" altLang="en-US" dirty="0"/>
-              <a:t>使用</a:t>
-            </a:r>
-            <a:r>
-              <a:rPr lang="en-US" altLang="zh-CN" dirty="0"/>
-              <a:t>q.js</a:t>
-            </a:r>
-            <a:r>
-              <a:rPr lang="zh-CN" altLang="en-US" dirty="0"/>
-              <a:t>时，第一步先把路由搞定再操作页面。否则，会把没有哈希值的页面压入历史栈</a:t>
-            </a:r>
-            <a:r>
-              <a:rPr lang="zh-CN" altLang="en-US" dirty="0" smtClean="0"/>
-              <a:t>中；</a:t>
-            </a:r>
-            <a:endParaRPr lang="en-US" altLang="zh-CN" dirty="0" smtClean="0"/>
-          </a:p>
-          <a:p>
-            <a:r>
-              <a:rPr lang="en-US" altLang="zh-CN" dirty="0"/>
-              <a:t>	</a:t>
-            </a:r>
-            <a:r>
-              <a:rPr lang="en-US" altLang="zh-CN" dirty="0" smtClean="0"/>
-              <a:t>5</a:t>
-            </a:r>
-            <a:r>
-              <a:rPr lang="zh-CN" altLang="en-US" dirty="0" smtClean="0"/>
-              <a:t>、点击</a:t>
-            </a:r>
-            <a:r>
-              <a:rPr lang="zh-CN" altLang="en-US" dirty="0"/>
-              <a:t>切换另一个元素显示，会造成当前切换的元素被</a:t>
-            </a:r>
-            <a:r>
-              <a:rPr lang="en-US" altLang="zh-CN" dirty="0"/>
-              <a:t>scroll</a:t>
-            </a:r>
-            <a:r>
-              <a:rPr lang="zh-CN" altLang="en-US" dirty="0"/>
-              <a:t>到点击元素的位置。解决：点击执行的时候：</a:t>
-            </a:r>
-            <a:r>
-              <a:rPr lang="en-US" altLang="zh-CN" dirty="0" err="1"/>
-              <a:t>window.scrollTo</a:t>
-            </a:r>
-            <a:r>
-              <a:rPr lang="en-US" altLang="zh-CN" dirty="0"/>
-              <a:t>(0,0</a:t>
-            </a:r>
-            <a:r>
-              <a:rPr lang="en-US" altLang="zh-CN" dirty="0" smtClean="0"/>
-              <a:t>);</a:t>
-            </a:r>
-            <a:endParaRPr lang="en-US" altLang="zh-CN" dirty="0" smtClean="0"/>
-          </a:p>
-          <a:p>
-            <a:endParaRPr lang="zh-CN" altLang="en-US" dirty="0"/>
+            <a:endParaRPr lang="en-US" altLang="zh-CN" sz="1400" dirty="0"/>
+          </a:p>
+          <a:p>
+            <a:r>
+              <a:rPr lang="en-US" altLang="zh-CN" sz="1400" dirty="0"/>
+              <a:t>	2.</a:t>
+            </a:r>
+            <a:r>
+              <a:rPr lang="en-US" altLang="zh-CN" sz="1400" dirty="0">
+                <a:sym typeface="+mn-ea"/>
+              </a:rPr>
+              <a:t>webpack</a:t>
+            </a:r>
+            <a:r>
+              <a:rPr lang="zh-CN" altLang="en-US" sz="1400" dirty="0">
+                <a:sym typeface="+mn-ea"/>
+              </a:rPr>
+              <a:t>打包实战下（</a:t>
+            </a:r>
+            <a:r>
+              <a:rPr lang="en-US" altLang="zh-CN" sz="1400" dirty="0">
+                <a:sym typeface="+mn-ea"/>
+              </a:rPr>
+              <a:t>http://mp.weixin.qq.com/s/cAMtoP5zhxuqehWYcI56Ww</a:t>
+            </a:r>
+            <a:r>
+              <a:rPr lang="zh-CN" altLang="en-US" sz="1400" dirty="0">
+                <a:sym typeface="+mn-ea"/>
+              </a:rPr>
+              <a:t>）</a:t>
+            </a:r>
+            <a:endParaRPr lang="en-US" altLang="zh-CN" sz="1400" dirty="0"/>
           </a:p>
         </p:txBody>
       </p:sp>
@@ -9794,8 +9333,8 @@
         </p:nvSpPr>
         <p:spPr bwMode="auto">
           <a:xfrm>
-            <a:off x="889233" y="1888845"/>
-            <a:ext cx="7365534" cy="706755"/>
+            <a:off x="1678951" y="1713585"/>
+            <a:ext cx="5565775" cy="1322070"/>
           </a:xfrm>
           <a:prstGeom prst="rect">
             <a:avLst/>
@@ -9806,7 +9345,7 @@
           </a:ln>
         </p:spPr>
         <p:txBody>
-          <a:bodyPr wrap="square">
+          <a:bodyPr>
             <a:spAutoFit/>
           </a:bodyPr>
           <a:lstStyle>
@@ -9927,6 +9466,30 @@
               <a:defRPr/>
             </a:pPr>
             <a:r>
+              <a:rPr lang="zh-CN" altLang="en-US" sz="4000" kern="0" dirty="0">
+                <a:solidFill>
+                  <a:srgbClr val="156CBE"/>
+                </a:solidFill>
+                <a:latin typeface="微软雅黑" panose="020B0503020204020204" pitchFamily="34" charset="-122"/>
+                <a:ea typeface="微软雅黑" panose="020B0503020204020204" pitchFamily="34" charset="-122"/>
+              </a:rPr>
+              <a:t>问答环节：</a:t>
+            </a:r>
+            <a:endParaRPr lang="zh-CN" altLang="en-US" sz="4000" kern="0" dirty="0">
+              <a:solidFill>
+                <a:srgbClr val="156CBE"/>
+              </a:solidFill>
+              <a:latin typeface="微软雅黑" panose="020B0503020204020204" pitchFamily="34" charset="-122"/>
+              <a:ea typeface="微软雅黑" panose="020B0503020204020204" pitchFamily="34" charset="-122"/>
+            </a:endParaRPr>
+          </a:p>
+          <a:p>
+            <a:pPr>
+              <a:buFont typeface="Arial" panose="020B0604020202020204" pitchFamily="34" charset="0"/>
+              <a:buNone/>
+              <a:defRPr/>
+            </a:pPr>
+            <a:r>
               <a:rPr lang="en-US" altLang="zh-CN" sz="4000" b="1" dirty="0">
                 <a:solidFill>
                   <a:srgbClr val="156CBE"/>
@@ -9935,10 +9498,10 @@
                 <a:ea typeface="方正兰亭超细黑简体" pitchFamily="2" charset="-122"/>
                 <a:sym typeface="方正兰亭超细黑简体" pitchFamily="2" charset="-122"/>
               </a:rPr>
-              <a:t>webpack </a:t>
-            </a:r>
-            <a:r>
-              <a:rPr lang="zh-CN" altLang="en-US" sz="4000" b="1" dirty="0">
+              <a:t>	</a:t>
+            </a:r>
+            <a:r>
+              <a:rPr lang="zh-CN" altLang="en-US" sz="3600" b="1" dirty="0">
                 <a:solidFill>
                   <a:srgbClr val="156CBE"/>
                 </a:solidFill>
@@ -9946,9 +9509,9 @@
                 <a:ea typeface="方正兰亭超细黑简体" pitchFamily="2" charset="-122"/>
                 <a:sym typeface="方正兰亭超细黑简体" pitchFamily="2" charset="-122"/>
               </a:rPr>
-              <a:t>配置中的一些注意事项</a:t>
-            </a:r>
-            <a:endParaRPr lang="zh-CN" altLang="en-US" sz="4000" b="1" dirty="0">
+              <a:t>你问，凯亮答</a:t>
+            </a:r>
+            <a:endParaRPr lang="zh-CN" altLang="en-US" sz="3600" b="1" dirty="0">
               <a:solidFill>
                 <a:srgbClr val="156CBE"/>
               </a:solidFill>
@@ -9968,7 +9531,7 @@
         <p:spPr>
           <a:xfrm>
             <a:off x="738894" y="471502"/>
-            <a:ext cx="2109873" cy="461665"/>
+            <a:ext cx="2049215" cy="461665"/>
           </a:xfrm>
           <a:prstGeom prst="rect">
             <a:avLst/>
@@ -10001,7 +9564,7 @@
                 <a:ea typeface="微软雅黑" panose="020B0503020204020204" pitchFamily="34" charset="-122"/>
                 <a:sym typeface="方正兰亭超细黑简体" pitchFamily="2" charset="-122"/>
               </a:rPr>
-              <a:t>SEVEN</a:t>
+              <a:t>EIGHT</a:t>
             </a:r>
             <a:endParaRPr lang="en-US" altLang="zh-CN" sz="2400" b="1" dirty="0">
               <a:solidFill>
@@ -10030,1274 +9593,6 @@
 </file>
 
 <file path=ppt/slides/slide22.xml><?xml version="1.0" encoding="utf-8"?>
-<p:sld xmlns:a="http://schemas.openxmlformats.org/drawingml/2006/main" xmlns:r="http://schemas.openxmlformats.org/officeDocument/2006/relationships" xmlns:p="http://schemas.openxmlformats.org/presentationml/2006/main">
-  <p:cSld>
-    <p:spTree>
-      <p:nvGrpSpPr>
-        <p:cNvPr id="1" name=""/>
-        <p:cNvGrpSpPr/>
-        <p:nvPr/>
-      </p:nvGrpSpPr>
-      <p:grpSpPr>
-        <a:xfrm>
-          <a:off x="0" y="0"/>
-          <a:ext cx="0" cy="0"/>
-          <a:chOff x="0" y="0"/>
-          <a:chExt cx="0" cy="0"/>
-        </a:xfrm>
-      </p:grpSpPr>
-      <p:pic>
-        <p:nvPicPr>
-          <p:cNvPr id="6" name="图片 5" descr="唯医培训PPT-内容页.jpg"/>
-          <p:cNvPicPr>
-            <a:picLocks noChangeAspect="1"/>
-          </p:cNvPicPr>
-          <p:nvPr/>
-        </p:nvPicPr>
-        <p:blipFill>
-          <a:blip r:embed="rId1">
-            <a:extLst>
-              <a:ext uri="{28A0092B-C50C-407E-A947-70E740481C1C}">
-                <a14:useLocalDpi xmlns:a14="http://schemas.microsoft.com/office/drawing/2010/main" val="0"/>
-              </a:ext>
-            </a:extLst>
-          </a:blip>
-          <a:stretch>
-            <a:fillRect/>
-          </a:stretch>
-        </p:blipFill>
-        <p:spPr>
-          <a:xfrm>
-            <a:off x="0" y="0"/>
-            <a:ext cx="9144000" cy="5143500"/>
-          </a:xfrm>
-          <a:prstGeom prst="rect">
-            <a:avLst/>
-          </a:prstGeom>
-        </p:spPr>
-      </p:pic>
-      <p:sp>
-        <p:nvSpPr>
-          <p:cNvPr id="7" name="文本框 5"/>
-          <p:cNvSpPr>
-            <a:spLocks noChangeArrowheads="1"/>
-          </p:cNvSpPr>
-          <p:nvPr/>
-        </p:nvSpPr>
-        <p:spPr bwMode="auto">
-          <a:xfrm>
-            <a:off x="738893" y="440505"/>
-            <a:ext cx="5754185" cy="461665"/>
-          </a:xfrm>
-          <a:prstGeom prst="rect">
-            <a:avLst/>
-          </a:prstGeom>
-          <a:noFill/>
-          <a:ln>
-            <a:noFill/>
-          </a:ln>
-        </p:spPr>
-        <p:txBody>
-          <a:bodyPr wrap="square">
-            <a:spAutoFit/>
-          </a:bodyPr>
-          <a:lstStyle/>
-          <a:p>
-            <a:pPr>
-              <a:buFont typeface="Arial" panose="020B0604020202020204" pitchFamily="34" charset="0"/>
-              <a:buNone/>
-              <a:defRPr/>
-            </a:pPr>
-            <a:r>
-              <a:rPr lang="zh-CN" altLang="en-US" sz="2400" kern="0" dirty="0">
-                <a:solidFill>
-                  <a:srgbClr val="156CBE"/>
-                </a:solidFill>
-                <a:latin typeface="微软雅黑" panose="020B0503020204020204" pitchFamily="34" charset="-122"/>
-                <a:ea typeface="微软雅黑" panose="020B0503020204020204" pitchFamily="34" charset="-122"/>
-              </a:rPr>
-              <a:t>项目中的其他问题以及解决方案</a:t>
-            </a:r>
-            <a:endParaRPr lang="zh-CN" altLang="en-US" sz="2400" b="1" dirty="0">
-              <a:solidFill>
-                <a:srgbClr val="156CBE"/>
-              </a:solidFill>
-              <a:latin typeface="方正兰亭超细黑简体" pitchFamily="2" charset="-122"/>
-              <a:ea typeface="方正兰亭超细黑简体" pitchFamily="2" charset="-122"/>
-              <a:sym typeface="方正兰亭超细黑简体" pitchFamily="2" charset="-122"/>
-            </a:endParaRPr>
-          </a:p>
-        </p:txBody>
-      </p:sp>
-      <p:sp>
-        <p:nvSpPr>
-          <p:cNvPr id="2" name="矩形 1"/>
-          <p:cNvSpPr/>
-          <p:nvPr/>
-        </p:nvSpPr>
-        <p:spPr>
-          <a:xfrm>
-            <a:off x="169333" y="934640"/>
-            <a:ext cx="8974667" cy="1198880"/>
-          </a:xfrm>
-          <a:prstGeom prst="rect">
-            <a:avLst/>
-          </a:prstGeom>
-        </p:spPr>
-        <p:txBody>
-          <a:bodyPr wrap="square">
-            <a:spAutoFit/>
-          </a:bodyPr>
-          <a:lstStyle/>
-          <a:p>
-            <a:r>
-              <a:rPr lang="en-US" altLang="zh-CN" dirty="0" smtClean="0"/>
-              <a:t>1</a:t>
-            </a:r>
-            <a:r>
-              <a:rPr lang="zh-CN" altLang="en-US" dirty="0"/>
-              <a:t>、创建、编写配置文件时，注意，不要写 </a:t>
-            </a:r>
-            <a:r>
-              <a:rPr lang="en-US" altLang="zh-CN" dirty="0"/>
-              <a:t>es6 </a:t>
-            </a:r>
-            <a:r>
-              <a:rPr lang="zh-CN" altLang="en-US" dirty="0"/>
-              <a:t>中 </a:t>
-            </a:r>
-            <a:r>
-              <a:rPr lang="en-US" altLang="zh-CN" dirty="0"/>
-              <a:t>v8 </a:t>
-            </a:r>
-            <a:r>
-              <a:rPr lang="zh-CN" altLang="en-US" dirty="0"/>
-              <a:t>引擎不支持的一些写法，因为配置文件是在 </a:t>
-            </a:r>
-            <a:r>
-              <a:rPr lang="en-US" altLang="zh-CN" dirty="0"/>
-              <a:t>node </a:t>
-            </a:r>
-            <a:r>
-              <a:rPr lang="zh-CN" altLang="en-US" dirty="0"/>
-              <a:t>中运行的，比如，不支持 </a:t>
-            </a:r>
-            <a:r>
-              <a:rPr lang="en-US" altLang="zh-CN" dirty="0"/>
-              <a:t>import</a:t>
-            </a:r>
-            <a:r>
-              <a:rPr lang="zh-CN" altLang="en-US" dirty="0"/>
-              <a:t>；</a:t>
-            </a:r>
-            <a:endParaRPr lang="zh-CN" altLang="en-US" dirty="0"/>
-          </a:p>
-          <a:p>
-            <a:endParaRPr lang="zh-CN" altLang="en-US" dirty="0"/>
-          </a:p>
-          <a:p>
-            <a:r>
-              <a:rPr lang="en-US" altLang="zh-CN" dirty="0"/>
-              <a:t>2</a:t>
-            </a:r>
-            <a:r>
-              <a:rPr lang="zh-CN" altLang="en-US" dirty="0"/>
-              <a:t>、</a:t>
-            </a:r>
-            <a:endParaRPr lang="zh-CN" altLang="en-US" dirty="0"/>
-          </a:p>
-        </p:txBody>
-      </p:sp>
-    </p:spTree>
-  </p:cSld>
-  <p:clrMapOvr>
-    <a:masterClrMapping/>
-  </p:clrMapOvr>
-  <p:timing>
-    <p:tnLst>
-      <p:par>
-        <p:cTn id="1" dur="indefinite" restart="never" nodeType="tmRoot"/>
-      </p:par>
-    </p:tnLst>
-  </p:timing>
-</p:sld>
-</file>
-
-<file path=ppt/slides/slide23.xml><?xml version="1.0" encoding="utf-8"?>
-<p:sld xmlns:a="http://schemas.openxmlformats.org/drawingml/2006/main" xmlns:r="http://schemas.openxmlformats.org/officeDocument/2006/relationships" xmlns:p="http://schemas.openxmlformats.org/presentationml/2006/main">
-  <p:cSld>
-    <p:spTree>
-      <p:nvGrpSpPr>
-        <p:cNvPr id="1" name=""/>
-        <p:cNvGrpSpPr/>
-        <p:nvPr/>
-      </p:nvGrpSpPr>
-      <p:grpSpPr>
-        <a:xfrm>
-          <a:off x="0" y="0"/>
-          <a:ext cx="0" cy="0"/>
-          <a:chOff x="0" y="0"/>
-          <a:chExt cx="0" cy="0"/>
-        </a:xfrm>
-      </p:grpSpPr>
-      <p:pic>
-        <p:nvPicPr>
-          <p:cNvPr id="6" name="图片 5" descr="唯医培训PPT-内容页.jpg"/>
-          <p:cNvPicPr>
-            <a:picLocks noChangeAspect="1"/>
-          </p:cNvPicPr>
-          <p:nvPr/>
-        </p:nvPicPr>
-        <p:blipFill>
-          <a:blip r:embed="rId1">
-            <a:extLst>
-              <a:ext uri="{28A0092B-C50C-407E-A947-70E740481C1C}">
-                <a14:useLocalDpi xmlns:a14="http://schemas.microsoft.com/office/drawing/2010/main" val="0"/>
-              </a:ext>
-            </a:extLst>
-          </a:blip>
-          <a:stretch>
-            <a:fillRect/>
-          </a:stretch>
-        </p:blipFill>
-        <p:spPr>
-          <a:xfrm>
-            <a:off x="0" y="0"/>
-            <a:ext cx="9144000" cy="5143500"/>
-          </a:xfrm>
-          <a:prstGeom prst="rect">
-            <a:avLst/>
-          </a:prstGeom>
-        </p:spPr>
-      </p:pic>
-      <p:sp>
-        <p:nvSpPr>
-          <p:cNvPr id="7" name="文本框 5"/>
-          <p:cNvSpPr>
-            <a:spLocks noChangeArrowheads="1"/>
-          </p:cNvSpPr>
-          <p:nvPr/>
-        </p:nvSpPr>
-        <p:spPr bwMode="auto">
-          <a:xfrm>
-            <a:off x="738893" y="440505"/>
-            <a:ext cx="5754185" cy="461665"/>
-          </a:xfrm>
-          <a:prstGeom prst="rect">
-            <a:avLst/>
-          </a:prstGeom>
-          <a:noFill/>
-          <a:ln>
-            <a:noFill/>
-          </a:ln>
-        </p:spPr>
-        <p:txBody>
-          <a:bodyPr wrap="square">
-            <a:spAutoFit/>
-          </a:bodyPr>
-          <a:lstStyle/>
-          <a:p>
-            <a:pPr>
-              <a:buFont typeface="Arial" panose="020B0604020202020204" pitchFamily="34" charset="0"/>
-              <a:buNone/>
-              <a:defRPr/>
-            </a:pPr>
-            <a:r>
-              <a:rPr lang="zh-CN" altLang="en-US" sz="2400" kern="0" dirty="0">
-                <a:solidFill>
-                  <a:srgbClr val="156CBE"/>
-                </a:solidFill>
-                <a:latin typeface="微软雅黑" panose="020B0503020204020204" pitchFamily="34" charset="-122"/>
-                <a:ea typeface="微软雅黑" panose="020B0503020204020204" pitchFamily="34" charset="-122"/>
-              </a:rPr>
-              <a:t>项目中的其他问题以及解决方案</a:t>
-            </a:r>
-            <a:endParaRPr lang="zh-CN" altLang="en-US" sz="2400" b="1" dirty="0">
-              <a:solidFill>
-                <a:srgbClr val="156CBE"/>
-              </a:solidFill>
-              <a:latin typeface="方正兰亭超细黑简体" pitchFamily="2" charset="-122"/>
-              <a:ea typeface="方正兰亭超细黑简体" pitchFamily="2" charset="-122"/>
-              <a:sym typeface="方正兰亭超细黑简体" pitchFamily="2" charset="-122"/>
-            </a:endParaRPr>
-          </a:p>
-        </p:txBody>
-      </p:sp>
-      <p:sp>
-        <p:nvSpPr>
-          <p:cNvPr id="2" name="矩形 1"/>
-          <p:cNvSpPr/>
-          <p:nvPr/>
-        </p:nvSpPr>
-        <p:spPr>
-          <a:xfrm>
-            <a:off x="169333" y="934640"/>
-            <a:ext cx="8974667" cy="3139321"/>
-          </a:xfrm>
-          <a:prstGeom prst="rect">
-            <a:avLst/>
-          </a:prstGeom>
-        </p:spPr>
-        <p:txBody>
-          <a:bodyPr wrap="square">
-            <a:spAutoFit/>
-          </a:bodyPr>
-          <a:lstStyle/>
-          <a:p>
-            <a:r>
-              <a:rPr lang="en-US" altLang="zh-CN" dirty="0" smtClean="0"/>
-              <a:t>3</a:t>
-            </a:r>
-            <a:r>
-              <a:rPr lang="zh-CN" altLang="en-US" dirty="0" smtClean="0"/>
-              <a:t>、</a:t>
-            </a:r>
-            <a:r>
-              <a:rPr lang="en-US" altLang="zh-CN" dirty="0" err="1"/>
-              <a:t>ios</a:t>
-            </a:r>
-            <a:r>
-              <a:rPr lang="zh-CN" altLang="en-US" dirty="0"/>
-              <a:t>中的一些问题：</a:t>
-            </a:r>
-            <a:endParaRPr lang="zh-CN" altLang="en-US" dirty="0"/>
-          </a:p>
-          <a:p>
-            <a:r>
-              <a:rPr lang="en-US" altLang="zh-CN" dirty="0" smtClean="0"/>
-              <a:t>        ios8.4.1</a:t>
-            </a:r>
-            <a:r>
-              <a:rPr lang="zh-CN" altLang="en-US" dirty="0"/>
-              <a:t>版本中对</a:t>
-            </a:r>
-            <a:r>
-              <a:rPr lang="en-US" altLang="zh-CN" dirty="0"/>
-              <a:t>jQuery</a:t>
-            </a:r>
-            <a:r>
-              <a:rPr lang="zh-CN" altLang="en-US" dirty="0"/>
-              <a:t>中</a:t>
-            </a:r>
-            <a:r>
-              <a:rPr lang="en-US" altLang="zh-CN" dirty="0" err="1"/>
-              <a:t>closeset</a:t>
-            </a:r>
-            <a:r>
-              <a:rPr lang="zh-CN" altLang="en-US" dirty="0"/>
-              <a:t>（）、</a:t>
-            </a:r>
-            <a:r>
-              <a:rPr lang="en-US" altLang="zh-CN" dirty="0"/>
-              <a:t>find</a:t>
-            </a:r>
-            <a:r>
-              <a:rPr lang="zh-CN" altLang="en-US" dirty="0"/>
-              <a:t>（）、存在兼容性，只能直接使用</a:t>
-            </a:r>
-            <a:r>
-              <a:rPr lang="en-US" altLang="zh-CN" dirty="0"/>
-              <a:t>jQuery</a:t>
-            </a:r>
-            <a:r>
-              <a:rPr lang="zh-CN" altLang="en-US" dirty="0"/>
-              <a:t>对象去使用这些方法。通过赋值的方法去调用不起作用；</a:t>
-            </a:r>
-            <a:endParaRPr lang="zh-CN" altLang="en-US" dirty="0"/>
-          </a:p>
-          <a:p>
-            <a:r>
-              <a:rPr lang="en-US" altLang="zh-CN" dirty="0" smtClean="0"/>
-              <a:t>        </a:t>
-            </a:r>
-            <a:r>
-              <a:rPr lang="en-US" altLang="zh-CN" dirty="0" err="1" smtClean="0"/>
-              <a:t>ios</a:t>
-            </a:r>
-            <a:r>
-              <a:rPr lang="zh-CN" altLang="en-US" dirty="0"/>
-              <a:t>上微信端</a:t>
-            </a:r>
-            <a:r>
-              <a:rPr lang="en-US" altLang="zh-CN" dirty="0"/>
-              <a:t>a</a:t>
-            </a:r>
-            <a:r>
-              <a:rPr lang="zh-CN" altLang="en-US" dirty="0"/>
-              <a:t>标签</a:t>
-            </a:r>
-            <a:r>
-              <a:rPr lang="en-US" altLang="zh-CN" dirty="0" err="1"/>
-              <a:t>href</a:t>
-            </a:r>
-            <a:r>
-              <a:rPr lang="zh-CN" altLang="en-US" dirty="0"/>
-              <a:t>必须填写（</a:t>
-            </a:r>
-            <a:r>
-              <a:rPr lang="en-US" altLang="zh-CN" dirty="0"/>
-              <a:t>JavaScript</a:t>
-            </a:r>
-            <a:r>
-              <a:rPr lang="zh-CN" altLang="en-US" dirty="0" smtClean="0"/>
-              <a:t>：</a:t>
-            </a:r>
-            <a:r>
-              <a:rPr lang="en-US" altLang="zh-CN" dirty="0" err="1" smtClean="0"/>
-              <a:t>viod</a:t>
-            </a:r>
-            <a:r>
-              <a:rPr lang="en-US" altLang="zh-CN" dirty="0" smtClean="0"/>
-              <a:t>(0)</a:t>
-            </a:r>
-            <a:r>
-              <a:rPr lang="zh-CN" altLang="en-US" dirty="0" smtClean="0"/>
-              <a:t>；</a:t>
-            </a:r>
-            <a:r>
-              <a:rPr lang="zh-CN" altLang="en-US" dirty="0"/>
-              <a:t>）；否则无法点击</a:t>
-            </a:r>
-            <a:endParaRPr lang="zh-CN" altLang="en-US" dirty="0"/>
-          </a:p>
-          <a:p>
-            <a:r>
-              <a:rPr lang="en-US" altLang="zh-CN" dirty="0" smtClean="0"/>
-              <a:t>        </a:t>
-            </a:r>
-            <a:r>
-              <a:rPr lang="en-US" altLang="zh-CN" dirty="0" err="1" smtClean="0"/>
-              <a:t>ios</a:t>
-            </a:r>
-            <a:r>
-              <a:rPr lang="zh-CN" altLang="en-US" dirty="0"/>
-              <a:t>上微信端不给元素设置 </a:t>
-            </a:r>
-            <a:r>
-              <a:rPr lang="en-US" altLang="zh-CN" dirty="0" err="1"/>
-              <a:t>cursor:pointer</a:t>
-            </a:r>
-            <a:r>
-              <a:rPr lang="en-US" altLang="zh-CN" dirty="0"/>
-              <a:t> </a:t>
-            </a:r>
-            <a:r>
-              <a:rPr lang="zh-CN" altLang="en-US" dirty="0"/>
-              <a:t>样式，可能会出现在手机上无法点击的情况</a:t>
-            </a:r>
-            <a:r>
-              <a:rPr lang="zh-CN" altLang="en-US" dirty="0" smtClean="0"/>
-              <a:t>；</a:t>
-            </a:r>
-            <a:endParaRPr lang="en-US" altLang="zh-CN" dirty="0" smtClean="0"/>
-          </a:p>
-          <a:p>
-            <a:endParaRPr lang="en-US" altLang="zh-CN" dirty="0"/>
-          </a:p>
-          <a:p>
-            <a:r>
-              <a:rPr lang="en-US" altLang="zh-CN" dirty="0" smtClean="0"/>
-              <a:t>4</a:t>
-            </a:r>
-            <a:r>
-              <a:rPr lang="zh-CN" altLang="en-US" dirty="0" smtClean="0"/>
-              <a:t>、</a:t>
-            </a:r>
-            <a:r>
-              <a:rPr lang="en-US" altLang="zh-CN" dirty="0"/>
-              <a:t>jQuery</a:t>
-            </a:r>
-            <a:r>
-              <a:rPr lang="zh-CN" altLang="en-US" dirty="0"/>
-              <a:t>中</a:t>
-            </a:r>
-            <a:r>
-              <a:rPr lang="en-US" altLang="zh-CN" dirty="0"/>
-              <a:t>data</a:t>
-            </a:r>
-            <a:r>
-              <a:rPr lang="zh-CN" altLang="en-US" dirty="0"/>
-              <a:t>（）的坑</a:t>
-            </a:r>
-            <a:r>
-              <a:rPr lang="zh-CN" altLang="en-US" dirty="0" smtClean="0"/>
-              <a:t>：</a:t>
-            </a:r>
-            <a:endParaRPr lang="en-US" altLang="zh-CN" dirty="0" smtClean="0"/>
-          </a:p>
-          <a:p>
-            <a:r>
-              <a:rPr lang="en-US" altLang="zh-CN" dirty="0"/>
-              <a:t> </a:t>
-            </a:r>
-            <a:r>
-              <a:rPr lang="en-US" altLang="zh-CN" dirty="0" smtClean="0"/>
-              <a:t>       </a:t>
-            </a:r>
-            <a:r>
-              <a:rPr lang="zh-CN" altLang="en-US" dirty="0" smtClean="0"/>
-              <a:t>尽量</a:t>
-            </a:r>
-            <a:r>
-              <a:rPr lang="zh-CN" altLang="en-US" dirty="0"/>
-              <a:t>不用</a:t>
-            </a:r>
-            <a:r>
-              <a:rPr lang="en-US" altLang="zh-CN" dirty="0"/>
-              <a:t>data</a:t>
-            </a:r>
-            <a:r>
-              <a:rPr lang="zh-CN" altLang="en-US" dirty="0"/>
-              <a:t>（）方法去获取元素的自定义属性</a:t>
-            </a:r>
-            <a:endParaRPr lang="zh-CN" altLang="en-US" dirty="0"/>
-          </a:p>
-          <a:p>
-            <a:r>
-              <a:rPr lang="en-US" altLang="zh-CN" dirty="0" smtClean="0"/>
-              <a:t>        data</a:t>
-            </a:r>
-            <a:r>
-              <a:rPr lang="zh-CN" altLang="en-US" dirty="0"/>
-              <a:t>（）解释为可以获取元素自定义的属性；但是：</a:t>
-            </a:r>
-            <a:endParaRPr lang="zh-CN" altLang="en-US" dirty="0"/>
-          </a:p>
-          <a:p>
-            <a:pPr lvl="1"/>
-            <a:r>
-              <a:rPr lang="en-US" altLang="zh-CN" dirty="0"/>
-              <a:t>1.</a:t>
-            </a:r>
-            <a:r>
-              <a:rPr lang="zh-CN" altLang="en-US" dirty="0"/>
-              <a:t>只能获取到第一次赋值的属性，之后通过修改的值获取不到；</a:t>
-            </a:r>
-            <a:endParaRPr lang="zh-CN" altLang="en-US" dirty="0"/>
-          </a:p>
-          <a:p>
-            <a:r>
-              <a:rPr lang="en-US" altLang="zh-CN" dirty="0" smtClean="0"/>
-              <a:t>	2.</a:t>
-            </a:r>
-            <a:r>
-              <a:rPr lang="zh-CN" altLang="en-US" dirty="0" smtClean="0"/>
-              <a:t>如果</a:t>
-            </a:r>
-            <a:r>
-              <a:rPr lang="zh-CN" altLang="en-US" dirty="0"/>
-              <a:t>值是</a:t>
-            </a:r>
-            <a:r>
-              <a:rPr lang="en-US" altLang="zh-CN" dirty="0"/>
-              <a:t>string</a:t>
-            </a:r>
-            <a:r>
-              <a:rPr lang="zh-CN" altLang="en-US" dirty="0"/>
-              <a:t>类型的数字，比如“</a:t>
-            </a:r>
-            <a:r>
-              <a:rPr lang="en-US" altLang="zh-CN" dirty="0"/>
-              <a:t>123”</a:t>
-            </a:r>
-            <a:r>
-              <a:rPr lang="zh-CN" altLang="en-US" dirty="0"/>
-              <a:t>，获取的时候会强转为</a:t>
-            </a:r>
-            <a:r>
-              <a:rPr lang="en-US" altLang="zh-CN" dirty="0"/>
-              <a:t>number</a:t>
-            </a:r>
-            <a:r>
-              <a:rPr lang="zh-CN" altLang="en-US" dirty="0"/>
-              <a:t>，</a:t>
-            </a:r>
-            <a:r>
-              <a:rPr lang="en-US" altLang="zh-CN" dirty="0"/>
-              <a:t>123</a:t>
-            </a:r>
-            <a:r>
-              <a:rPr lang="zh-CN" altLang="en-US" dirty="0"/>
-              <a:t>；</a:t>
-            </a:r>
-            <a:endParaRPr lang="zh-CN" altLang="en-US" dirty="0"/>
-          </a:p>
-        </p:txBody>
-      </p:sp>
-    </p:spTree>
-  </p:cSld>
-  <p:clrMapOvr>
-    <a:masterClrMapping/>
-  </p:clrMapOvr>
-  <p:timing>
-    <p:tnLst>
-      <p:par>
-        <p:cTn id="1" dur="indefinite" restart="never" nodeType="tmRoot"/>
-      </p:par>
-    </p:tnLst>
-  </p:timing>
-</p:sld>
-</file>
-
-<file path=ppt/slides/slide24.xml><?xml version="1.0" encoding="utf-8"?>
-<p:sld xmlns:a="http://schemas.openxmlformats.org/drawingml/2006/main" xmlns:r="http://schemas.openxmlformats.org/officeDocument/2006/relationships" xmlns:p="http://schemas.openxmlformats.org/presentationml/2006/main">
-  <p:cSld>
-    <p:spTree>
-      <p:nvGrpSpPr>
-        <p:cNvPr id="1" name=""/>
-        <p:cNvGrpSpPr/>
-        <p:nvPr/>
-      </p:nvGrpSpPr>
-      <p:grpSpPr>
-        <a:xfrm>
-          <a:off x="0" y="0"/>
-          <a:ext cx="0" cy="0"/>
-          <a:chOff x="0" y="0"/>
-          <a:chExt cx="0" cy="0"/>
-        </a:xfrm>
-      </p:grpSpPr>
-      <p:pic>
-        <p:nvPicPr>
-          <p:cNvPr id="6" name="图片 5" descr="唯医培训PPT-内容页.jpg"/>
-          <p:cNvPicPr>
-            <a:picLocks noChangeAspect="1"/>
-          </p:cNvPicPr>
-          <p:nvPr/>
-        </p:nvPicPr>
-        <p:blipFill>
-          <a:blip r:embed="rId1">
-            <a:extLst>
-              <a:ext uri="{28A0092B-C50C-407E-A947-70E740481C1C}">
-                <a14:useLocalDpi xmlns:a14="http://schemas.microsoft.com/office/drawing/2010/main" val="0"/>
-              </a:ext>
-            </a:extLst>
-          </a:blip>
-          <a:stretch>
-            <a:fillRect/>
-          </a:stretch>
-        </p:blipFill>
-        <p:spPr>
-          <a:xfrm>
-            <a:off x="0" y="0"/>
-            <a:ext cx="9144000" cy="5143500"/>
-          </a:xfrm>
-          <a:prstGeom prst="rect">
-            <a:avLst/>
-          </a:prstGeom>
-        </p:spPr>
-      </p:pic>
-      <p:sp>
-        <p:nvSpPr>
-          <p:cNvPr id="7" name="文本框 5"/>
-          <p:cNvSpPr>
-            <a:spLocks noChangeArrowheads="1"/>
-          </p:cNvSpPr>
-          <p:nvPr/>
-        </p:nvSpPr>
-        <p:spPr bwMode="auto">
-          <a:xfrm>
-            <a:off x="738893" y="440505"/>
-            <a:ext cx="5754185" cy="461665"/>
-          </a:xfrm>
-          <a:prstGeom prst="rect">
-            <a:avLst/>
-          </a:prstGeom>
-          <a:noFill/>
-          <a:ln>
-            <a:noFill/>
-          </a:ln>
-        </p:spPr>
-        <p:txBody>
-          <a:bodyPr wrap="square">
-            <a:spAutoFit/>
-          </a:bodyPr>
-          <a:lstStyle/>
-          <a:p>
-            <a:pPr>
-              <a:buFont typeface="Arial" panose="020B0604020202020204" pitchFamily="34" charset="0"/>
-              <a:buNone/>
-              <a:defRPr/>
-            </a:pPr>
-            <a:r>
-              <a:rPr lang="zh-CN" altLang="en-US" sz="2400" kern="0" dirty="0">
-                <a:solidFill>
-                  <a:srgbClr val="156CBE"/>
-                </a:solidFill>
-                <a:latin typeface="微软雅黑" panose="020B0503020204020204" pitchFamily="34" charset="-122"/>
-                <a:ea typeface="微软雅黑" panose="020B0503020204020204" pitchFamily="34" charset="-122"/>
-              </a:rPr>
-              <a:t>项目中的其他问题以及解决方案</a:t>
-            </a:r>
-            <a:endParaRPr lang="zh-CN" altLang="en-US" sz="2400" b="1" dirty="0">
-              <a:solidFill>
-                <a:srgbClr val="156CBE"/>
-              </a:solidFill>
-              <a:latin typeface="方正兰亭超细黑简体" pitchFamily="2" charset="-122"/>
-              <a:ea typeface="方正兰亭超细黑简体" pitchFamily="2" charset="-122"/>
-              <a:sym typeface="方正兰亭超细黑简体" pitchFamily="2" charset="-122"/>
-            </a:endParaRPr>
-          </a:p>
-        </p:txBody>
-      </p:sp>
-      <p:sp>
-        <p:nvSpPr>
-          <p:cNvPr id="2" name="矩形 1"/>
-          <p:cNvSpPr/>
-          <p:nvPr/>
-        </p:nvSpPr>
-        <p:spPr>
-          <a:xfrm>
-            <a:off x="169333" y="934640"/>
-            <a:ext cx="8974667" cy="2031325"/>
-          </a:xfrm>
-          <a:prstGeom prst="rect">
-            <a:avLst/>
-          </a:prstGeom>
-        </p:spPr>
-        <p:txBody>
-          <a:bodyPr wrap="square">
-            <a:spAutoFit/>
-          </a:bodyPr>
-          <a:lstStyle/>
-          <a:p>
-            <a:r>
-              <a:rPr lang="en-US" altLang="zh-CN" dirty="0" smtClean="0"/>
-              <a:t>5</a:t>
-            </a:r>
-            <a:r>
-              <a:rPr lang="zh-CN" altLang="en-US" dirty="0"/>
-              <a:t>、在</a:t>
-            </a:r>
-            <a:r>
-              <a:rPr lang="en-US" altLang="zh-CN" dirty="0"/>
-              <a:t>input</a:t>
-            </a:r>
-            <a:r>
-              <a:rPr lang="zh-CN" altLang="en-US" dirty="0"/>
-              <a:t>输入框输入中文时，需要即时查询出匹配输入内容的结果，一般我们会使用</a:t>
-            </a:r>
-            <a:r>
-              <a:rPr lang="en-US" altLang="zh-CN" dirty="0"/>
-              <a:t>input</a:t>
-            </a:r>
-            <a:r>
-              <a:rPr lang="zh-CN" altLang="en-US" dirty="0"/>
-              <a:t>事件监听用户输入事件，但是在输入汉语拼音时，也会触发</a:t>
-            </a:r>
-            <a:r>
-              <a:rPr lang="en-US" altLang="zh-CN" dirty="0"/>
-              <a:t>input</a:t>
-            </a:r>
-            <a:r>
-              <a:rPr lang="zh-CN" altLang="en-US" dirty="0"/>
-              <a:t>事件，前端就会不断发送请求，用户体验非常差劲</a:t>
-            </a:r>
-            <a:r>
-              <a:rPr lang="zh-CN" altLang="en-US" dirty="0" smtClean="0"/>
-              <a:t>。</a:t>
-            </a:r>
-            <a:endParaRPr lang="en-US" altLang="zh-CN" dirty="0" smtClean="0"/>
-          </a:p>
-          <a:p>
-            <a:r>
-              <a:rPr lang="en-US" altLang="zh-CN" dirty="0"/>
-              <a:t>	</a:t>
-            </a:r>
-            <a:r>
-              <a:rPr lang="zh-CN" altLang="en-US" dirty="0"/>
-              <a:t>当浏览器有非直接的文字输入时</a:t>
-            </a:r>
-            <a:r>
-              <a:rPr lang="en-US" altLang="zh-CN" dirty="0"/>
-              <a:t>, </a:t>
-            </a:r>
-            <a:r>
-              <a:rPr lang="en-US" altLang="zh-CN" dirty="0" err="1"/>
-              <a:t>compositionstart</a:t>
-            </a:r>
-            <a:r>
-              <a:rPr lang="zh-CN" altLang="en-US" dirty="0"/>
-              <a:t>事件会以同步模式触发</a:t>
-            </a:r>
-            <a:r>
-              <a:rPr lang="en-US" altLang="zh-CN" dirty="0"/>
-              <a:t>.</a:t>
-            </a:r>
-            <a:endParaRPr lang="en-US" altLang="zh-CN" dirty="0"/>
-          </a:p>
-          <a:p>
-            <a:r>
-              <a:rPr lang="en-US" altLang="zh-CN" dirty="0" smtClean="0"/>
-              <a:t>	</a:t>
-            </a:r>
-            <a:r>
-              <a:rPr lang="zh-CN" altLang="en-US" dirty="0" smtClean="0"/>
-              <a:t>当</a:t>
-            </a:r>
-            <a:r>
-              <a:rPr lang="zh-CN" altLang="en-US" dirty="0"/>
-              <a:t>浏览器是直接的文字输入时</a:t>
-            </a:r>
-            <a:r>
-              <a:rPr lang="en-US" altLang="zh-CN" dirty="0"/>
-              <a:t>, </a:t>
-            </a:r>
-            <a:r>
-              <a:rPr lang="en-US" altLang="zh-CN" dirty="0" err="1"/>
-              <a:t>compositionend</a:t>
-            </a:r>
-            <a:r>
-              <a:rPr lang="zh-CN" altLang="en-US" dirty="0"/>
-              <a:t>会以同步模式触发</a:t>
-            </a:r>
-            <a:r>
-              <a:rPr lang="en-US" altLang="zh-CN" dirty="0"/>
-              <a:t>.</a:t>
-            </a:r>
-            <a:endParaRPr lang="en-US" altLang="zh-CN" dirty="0"/>
-          </a:p>
-          <a:p>
-            <a:r>
-              <a:rPr lang="en-US" altLang="zh-CN" dirty="0" smtClean="0"/>
-              <a:t>	</a:t>
-            </a:r>
-            <a:r>
-              <a:rPr lang="zh-CN" altLang="en-US" dirty="0" smtClean="0"/>
-              <a:t>当</a:t>
-            </a:r>
-            <a:r>
-              <a:rPr lang="zh-CN" altLang="en-US" dirty="0"/>
-              <a:t>元素监听到</a:t>
-            </a:r>
-            <a:r>
-              <a:rPr lang="en-US" altLang="zh-CN" dirty="0" err="1"/>
-              <a:t>compositionstart</a:t>
-            </a:r>
-            <a:r>
-              <a:rPr lang="zh-CN" altLang="en-US" dirty="0"/>
-              <a:t>事件，给</a:t>
-            </a:r>
-            <a:r>
-              <a:rPr lang="en-US" altLang="zh-CN" dirty="0"/>
-              <a:t>input</a:t>
-            </a:r>
-            <a:r>
-              <a:rPr lang="zh-CN" altLang="en-US" dirty="0"/>
-              <a:t>中事件加锁，禁止</a:t>
-            </a:r>
-            <a:r>
-              <a:rPr lang="en-US" altLang="zh-CN" dirty="0"/>
-              <a:t>input</a:t>
-            </a:r>
-            <a:r>
-              <a:rPr lang="zh-CN" altLang="en-US" dirty="0"/>
-              <a:t>中事件执行，当元素监听到	</a:t>
-            </a:r>
-            <a:r>
-              <a:rPr lang="en-US" altLang="zh-CN" dirty="0" err="1"/>
-              <a:t>compositionend</a:t>
-            </a:r>
-            <a:r>
-              <a:rPr lang="zh-CN" altLang="en-US" dirty="0"/>
-              <a:t>事件，给</a:t>
-            </a:r>
-            <a:r>
-              <a:rPr lang="en-US" altLang="zh-CN" dirty="0"/>
-              <a:t>input</a:t>
-            </a:r>
-            <a:r>
-              <a:rPr lang="zh-CN" altLang="en-US" dirty="0"/>
-              <a:t>中事件解锁，正常执行。</a:t>
-            </a:r>
-            <a:endParaRPr lang="zh-CN" altLang="en-US" dirty="0"/>
-          </a:p>
-        </p:txBody>
-      </p:sp>
-    </p:spTree>
-  </p:cSld>
-  <p:clrMapOvr>
-    <a:masterClrMapping/>
-  </p:clrMapOvr>
-  <p:timing>
-    <p:tnLst>
-      <p:par>
-        <p:cTn id="1" dur="indefinite" restart="never" nodeType="tmRoot"/>
-      </p:par>
-    </p:tnLst>
-  </p:timing>
-</p:sld>
-</file>
-
-<file path=ppt/slides/slide25.xml><?xml version="1.0" encoding="utf-8"?>
-<p:sld xmlns:a="http://schemas.openxmlformats.org/drawingml/2006/main" xmlns:r="http://schemas.openxmlformats.org/officeDocument/2006/relationships" xmlns:p="http://schemas.openxmlformats.org/presentationml/2006/main">
-  <p:cSld>
-    <p:spTree>
-      <p:nvGrpSpPr>
-        <p:cNvPr id="1" name=""/>
-        <p:cNvGrpSpPr/>
-        <p:nvPr/>
-      </p:nvGrpSpPr>
-      <p:grpSpPr>
-        <a:xfrm>
-          <a:off x="0" y="0"/>
-          <a:ext cx="0" cy="0"/>
-          <a:chOff x="0" y="0"/>
-          <a:chExt cx="0" cy="0"/>
-        </a:xfrm>
-      </p:grpSpPr>
-      <p:pic>
-        <p:nvPicPr>
-          <p:cNvPr id="6" name="图片 5" descr="唯医培训PPT-内容页.jpg"/>
-          <p:cNvPicPr>
-            <a:picLocks noChangeAspect="1"/>
-          </p:cNvPicPr>
-          <p:nvPr/>
-        </p:nvPicPr>
-        <p:blipFill>
-          <a:blip r:embed="rId1">
-            <a:extLst>
-              <a:ext uri="{28A0092B-C50C-407E-A947-70E740481C1C}">
-                <a14:useLocalDpi xmlns:a14="http://schemas.microsoft.com/office/drawing/2010/main" val="0"/>
-              </a:ext>
-            </a:extLst>
-          </a:blip>
-          <a:stretch>
-            <a:fillRect/>
-          </a:stretch>
-        </p:blipFill>
-        <p:spPr>
-          <a:xfrm>
-            <a:off x="0" y="0"/>
-            <a:ext cx="9144000" cy="5143500"/>
-          </a:xfrm>
-          <a:prstGeom prst="rect">
-            <a:avLst/>
-          </a:prstGeom>
-        </p:spPr>
-      </p:pic>
-      <p:sp>
-        <p:nvSpPr>
-          <p:cNvPr id="7" name="文本框 5"/>
-          <p:cNvSpPr>
-            <a:spLocks noChangeArrowheads="1"/>
-          </p:cNvSpPr>
-          <p:nvPr/>
-        </p:nvSpPr>
-        <p:spPr bwMode="auto">
-          <a:xfrm>
-            <a:off x="738894" y="345258"/>
-            <a:ext cx="6971073" cy="584775"/>
-          </a:xfrm>
-          <a:prstGeom prst="rect">
-            <a:avLst/>
-          </a:prstGeom>
-          <a:noFill/>
-          <a:ln>
-            <a:noFill/>
-          </a:ln>
-        </p:spPr>
-        <p:txBody>
-          <a:bodyPr wrap="square">
-            <a:spAutoFit/>
-          </a:bodyPr>
-          <a:lstStyle/>
-          <a:p>
-            <a:pPr>
-              <a:buFont typeface="Arial" panose="020B0604020202020204" pitchFamily="34" charset="0"/>
-              <a:buNone/>
-              <a:defRPr/>
-            </a:pPr>
-            <a:r>
-              <a:rPr lang="zh-CN" altLang="en-US" sz="3200" kern="0" dirty="0" smtClean="0">
-                <a:solidFill>
-                  <a:srgbClr val="156CBE"/>
-                </a:solidFill>
-                <a:latin typeface="微软雅黑" panose="020B0503020204020204" pitchFamily="34" charset="-122"/>
-                <a:ea typeface="微软雅黑" panose="020B0503020204020204" pitchFamily="34" charset="-122"/>
-              </a:rPr>
-              <a:t> </a:t>
-            </a:r>
-            <a:endParaRPr lang="zh-CN" altLang="en-US" sz="2400" b="1" dirty="0">
-              <a:solidFill>
-                <a:srgbClr val="156CBE"/>
-              </a:solidFill>
-              <a:latin typeface="方正兰亭超细黑简体" pitchFamily="2" charset="-122"/>
-              <a:ea typeface="方正兰亭超细黑简体" pitchFamily="2" charset="-122"/>
-              <a:sym typeface="方正兰亭超细黑简体" pitchFamily="2" charset="-122"/>
-            </a:endParaRPr>
-          </a:p>
-        </p:txBody>
-      </p:sp>
-      <p:sp>
-        <p:nvSpPr>
-          <p:cNvPr id="8" name="文本框 2"/>
-          <p:cNvSpPr>
-            <a:spLocks noChangeArrowheads="1"/>
-          </p:cNvSpPr>
-          <p:nvPr/>
-        </p:nvSpPr>
-        <p:spPr bwMode="auto">
-          <a:xfrm>
-            <a:off x="1678951" y="1713585"/>
-            <a:ext cx="5565775" cy="1322070"/>
-          </a:xfrm>
-          <a:prstGeom prst="rect">
-            <a:avLst/>
-          </a:prstGeom>
-          <a:noFill/>
-          <a:ln>
-            <a:noFill/>
-          </a:ln>
-        </p:spPr>
-        <p:txBody>
-          <a:bodyPr>
-            <a:spAutoFit/>
-          </a:bodyPr>
-          <a:lstStyle>
-            <a:lvl1pPr eaLnBrk="0" hangingPunct="0">
-              <a:defRPr>
-                <a:solidFill>
-                  <a:schemeClr val="tx1"/>
-                </a:solidFill>
-                <a:latin typeface="Arial" panose="020B0604020202020204" pitchFamily="34" charset="0"/>
-                <a:ea typeface="宋体" panose="02010600030101010101" pitchFamily="2" charset="-122"/>
-              </a:defRPr>
-            </a:lvl1pPr>
-            <a:lvl2pPr marL="742950" indent="-285750" eaLnBrk="0" hangingPunct="0">
-              <a:defRPr>
-                <a:solidFill>
-                  <a:schemeClr val="tx1"/>
-                </a:solidFill>
-                <a:latin typeface="Arial" panose="020B0604020202020204" pitchFamily="34" charset="0"/>
-                <a:ea typeface="宋体" panose="02010600030101010101" pitchFamily="2" charset="-122"/>
-              </a:defRPr>
-            </a:lvl2pPr>
-            <a:lvl3pPr marL="1143000" indent="-228600" eaLnBrk="0" hangingPunct="0">
-              <a:defRPr>
-                <a:solidFill>
-                  <a:schemeClr val="tx1"/>
-                </a:solidFill>
-                <a:latin typeface="Arial" panose="020B0604020202020204" pitchFamily="34" charset="0"/>
-                <a:ea typeface="宋体" panose="02010600030101010101" pitchFamily="2" charset="-122"/>
-              </a:defRPr>
-            </a:lvl3pPr>
-            <a:lvl4pPr marL="1600200" indent="-228600" eaLnBrk="0" hangingPunct="0">
-              <a:defRPr>
-                <a:solidFill>
-                  <a:schemeClr val="tx1"/>
-                </a:solidFill>
-                <a:latin typeface="Arial" panose="020B0604020202020204" pitchFamily="34" charset="0"/>
-                <a:ea typeface="宋体" panose="02010600030101010101" pitchFamily="2" charset="-122"/>
-              </a:defRPr>
-            </a:lvl4pPr>
-            <a:lvl5pPr marL="2057400" indent="-228600" eaLnBrk="0" hangingPunct="0">
-              <a:defRPr>
-                <a:solidFill>
-                  <a:schemeClr val="tx1"/>
-                </a:solidFill>
-                <a:latin typeface="Arial" panose="020B0604020202020204" pitchFamily="34" charset="0"/>
-                <a:ea typeface="宋体" panose="02010600030101010101" pitchFamily="2" charset="-122"/>
-              </a:defRPr>
-            </a:lvl5pPr>
-            <a:lvl6pPr marL="2514600" indent="-228600" eaLnBrk="0" fontAlgn="base" hangingPunct="0">
-              <a:spcBef>
-                <a:spcPct val="0"/>
-              </a:spcBef>
-              <a:spcAft>
-                <a:spcPct val="0"/>
-              </a:spcAft>
-              <a:buFont typeface="Arial" panose="020B0604020202020204" pitchFamily="34" charset="0"/>
-              <a:defRPr>
-                <a:solidFill>
-                  <a:schemeClr val="tx1"/>
-                </a:solidFill>
-                <a:latin typeface="Arial" panose="020B0604020202020204" pitchFamily="34" charset="0"/>
-                <a:ea typeface="宋体" panose="02010600030101010101" pitchFamily="2" charset="-122"/>
-              </a:defRPr>
-            </a:lvl6pPr>
-            <a:lvl7pPr marL="2971800" indent="-228600" eaLnBrk="0" fontAlgn="base" hangingPunct="0">
-              <a:spcBef>
-                <a:spcPct val="0"/>
-              </a:spcBef>
-              <a:spcAft>
-                <a:spcPct val="0"/>
-              </a:spcAft>
-              <a:buFont typeface="Arial" panose="020B0604020202020204" pitchFamily="34" charset="0"/>
-              <a:defRPr>
-                <a:solidFill>
-                  <a:schemeClr val="tx1"/>
-                </a:solidFill>
-                <a:latin typeface="Arial" panose="020B0604020202020204" pitchFamily="34" charset="0"/>
-                <a:ea typeface="宋体" panose="02010600030101010101" pitchFamily="2" charset="-122"/>
-              </a:defRPr>
-            </a:lvl7pPr>
-            <a:lvl8pPr marL="3429000" indent="-228600" eaLnBrk="0" fontAlgn="base" hangingPunct="0">
-              <a:spcBef>
-                <a:spcPct val="0"/>
-              </a:spcBef>
-              <a:spcAft>
-                <a:spcPct val="0"/>
-              </a:spcAft>
-              <a:buFont typeface="Arial" panose="020B0604020202020204" pitchFamily="34" charset="0"/>
-              <a:defRPr>
-                <a:solidFill>
-                  <a:schemeClr val="tx1"/>
-                </a:solidFill>
-                <a:latin typeface="Arial" panose="020B0604020202020204" pitchFamily="34" charset="0"/>
-                <a:ea typeface="宋体" panose="02010600030101010101" pitchFamily="2" charset="-122"/>
-              </a:defRPr>
-            </a:lvl8pPr>
-            <a:lvl9pPr marL="3886200" indent="-228600" eaLnBrk="0" fontAlgn="base" hangingPunct="0">
-              <a:spcBef>
-                <a:spcPct val="0"/>
-              </a:spcBef>
-              <a:spcAft>
-                <a:spcPct val="0"/>
-              </a:spcAft>
-              <a:buFont typeface="Arial" panose="020B0604020202020204" pitchFamily="34" charset="0"/>
-              <a:defRPr>
-                <a:solidFill>
-                  <a:schemeClr val="tx1"/>
-                </a:solidFill>
-                <a:latin typeface="Arial" panose="020B0604020202020204" pitchFamily="34" charset="0"/>
-                <a:ea typeface="宋体" panose="02010600030101010101" pitchFamily="2" charset="-122"/>
-              </a:defRPr>
-            </a:lvl9pPr>
-          </a:lstStyle>
-          <a:p>
-            <a:pPr>
-              <a:buFont typeface="Arial" panose="020B0604020202020204" pitchFamily="34" charset="0"/>
-              <a:buNone/>
-              <a:defRPr/>
-            </a:pPr>
-            <a:r>
-              <a:rPr lang="zh-CN" altLang="en-US" sz="4000" kern="0" dirty="0">
-                <a:solidFill>
-                  <a:srgbClr val="156CBE"/>
-                </a:solidFill>
-                <a:latin typeface="微软雅黑" panose="020B0503020204020204" pitchFamily="34" charset="-122"/>
-                <a:ea typeface="微软雅黑" panose="020B0503020204020204" pitchFamily="34" charset="-122"/>
-              </a:rPr>
-              <a:t>问答环节：</a:t>
-            </a:r>
-            <a:endParaRPr lang="zh-CN" altLang="en-US" sz="4000" kern="0" dirty="0">
-              <a:solidFill>
-                <a:srgbClr val="156CBE"/>
-              </a:solidFill>
-              <a:latin typeface="微软雅黑" panose="020B0503020204020204" pitchFamily="34" charset="-122"/>
-              <a:ea typeface="微软雅黑" panose="020B0503020204020204" pitchFamily="34" charset="-122"/>
-            </a:endParaRPr>
-          </a:p>
-          <a:p>
-            <a:pPr>
-              <a:buFont typeface="Arial" panose="020B0604020202020204" pitchFamily="34" charset="0"/>
-              <a:buNone/>
-              <a:defRPr/>
-            </a:pPr>
-            <a:r>
-              <a:rPr lang="en-US" altLang="zh-CN" sz="4000" b="1" dirty="0">
-                <a:solidFill>
-                  <a:srgbClr val="156CBE"/>
-                </a:solidFill>
-                <a:latin typeface="方正兰亭超细黑简体" pitchFamily="2" charset="-122"/>
-                <a:ea typeface="方正兰亭超细黑简体" pitchFamily="2" charset="-122"/>
-                <a:sym typeface="方正兰亭超细黑简体" pitchFamily="2" charset="-122"/>
-              </a:rPr>
-              <a:t>	</a:t>
-            </a:r>
-            <a:r>
-              <a:rPr lang="zh-CN" altLang="en-US" sz="3600" b="1" dirty="0">
-                <a:solidFill>
-                  <a:srgbClr val="156CBE"/>
-                </a:solidFill>
-                <a:latin typeface="方正兰亭超细黑简体" pitchFamily="2" charset="-122"/>
-                <a:ea typeface="方正兰亭超细黑简体" pitchFamily="2" charset="-122"/>
-                <a:sym typeface="方正兰亭超细黑简体" pitchFamily="2" charset="-122"/>
-              </a:rPr>
-              <a:t>你问，凯亮答</a:t>
-            </a:r>
-            <a:endParaRPr lang="zh-CN" altLang="en-US" sz="3600" b="1" dirty="0">
-              <a:solidFill>
-                <a:srgbClr val="156CBE"/>
-              </a:solidFill>
-              <a:latin typeface="方正兰亭超细黑简体" pitchFamily="2" charset="-122"/>
-              <a:ea typeface="方正兰亭超细黑简体" pitchFamily="2" charset="-122"/>
-              <a:sym typeface="方正兰亭超细黑简体" pitchFamily="2" charset="-122"/>
-            </a:endParaRPr>
-          </a:p>
-        </p:txBody>
-      </p:sp>
-      <p:sp>
-        <p:nvSpPr>
-          <p:cNvPr id="2" name="文本框 1"/>
-          <p:cNvSpPr txBox="1"/>
-          <p:nvPr/>
-        </p:nvSpPr>
-        <p:spPr>
-          <a:xfrm>
-            <a:off x="738894" y="471502"/>
-            <a:ext cx="2049215" cy="461665"/>
-          </a:xfrm>
-          <a:prstGeom prst="rect">
-            <a:avLst/>
-          </a:prstGeom>
-          <a:noFill/>
-        </p:spPr>
-        <p:txBody>
-          <a:bodyPr wrap="none" rtlCol="0">
-            <a:spAutoFit/>
-          </a:bodyPr>
-          <a:lstStyle/>
-          <a:p>
-            <a:r>
-              <a:rPr lang="en-US" altLang="zh-CN" sz="2400" b="1" dirty="0">
-                <a:solidFill>
-                  <a:srgbClr val="000000"/>
-                </a:solidFill>
-                <a:latin typeface="微软雅黑" panose="020B0503020204020204" pitchFamily="34" charset="-122"/>
-                <a:ea typeface="微软雅黑" panose="020B0503020204020204" pitchFamily="34" charset="-122"/>
-                <a:sym typeface="方正兰亭超细黑简体" pitchFamily="2" charset="-122"/>
-              </a:rPr>
-              <a:t>PART </a:t>
-            </a:r>
-            <a:r>
-              <a:rPr lang="en-US" altLang="zh-CN" sz="2400" b="1" dirty="0" smtClean="0">
-                <a:solidFill>
-                  <a:srgbClr val="000000"/>
-                </a:solidFill>
-                <a:latin typeface="微软雅黑" panose="020B0503020204020204" pitchFamily="34" charset="-122"/>
-                <a:ea typeface="微软雅黑" panose="020B0503020204020204" pitchFamily="34" charset="-122"/>
-                <a:sym typeface="方正兰亭超细黑简体" pitchFamily="2" charset="-122"/>
-              </a:rPr>
-              <a:t>EIGHT</a:t>
-            </a:r>
-            <a:endParaRPr lang="en-US" altLang="zh-CN" sz="2400" b="1" dirty="0">
-              <a:solidFill>
-                <a:srgbClr val="000000"/>
-              </a:solidFill>
-              <a:latin typeface="微软雅黑" panose="020B0503020204020204" pitchFamily="34" charset="-122"/>
-              <a:ea typeface="微软雅黑" panose="020B0503020204020204" pitchFamily="34" charset="-122"/>
-              <a:sym typeface="方正兰亭超细黑简体" pitchFamily="2" charset="-122"/>
-            </a:endParaRPr>
-          </a:p>
-        </p:txBody>
-      </p:sp>
-    </p:spTree>
-  </p:cSld>
-  <p:clrMapOvr>
-    <a:masterClrMapping/>
-  </p:clrMapOvr>
-  <p:timing>
-    <p:tnLst>
-      <p:par>
-        <p:cTn id="1" dur="indefinite" restart="never" nodeType="tmRoot"/>
-      </p:par>
-    </p:tnLst>
-  </p:timing>
-</p:sld>
-</file>
-
-<file path=ppt/slides/slide26.xml><?xml version="1.0" encoding="utf-8"?>
 <p:sld xmlns:a="http://schemas.openxmlformats.org/drawingml/2006/main" xmlns:r="http://schemas.openxmlformats.org/officeDocument/2006/relationships" xmlns:p="http://schemas.openxmlformats.org/presentationml/2006/main">
   <p:cSld>
     <p:spTree>
